--- a/BigData/expo/ArnaudVolle_SaidMehdi_MaximeChazalviel_ApprentissageAutomatique.pptx
+++ b/BigData/expo/ArnaudVolle_SaidMehdi_MaximeChazalviel_ApprentissageAutomatique.pptx
@@ -2,7 +2,7 @@
 <file path=ppt/presentation.xml><?xml version="1.0" encoding="utf-8"?>
 <p:presentation xmlns:a="http://schemas.openxmlformats.org/drawingml/2006/main" xmlns:r="http://schemas.openxmlformats.org/officeDocument/2006/relationships" xmlns:p="http://schemas.openxmlformats.org/presentationml/2006/main" saveSubsetFonts="1">
   <p:sldMasterIdLst>
-    <p:sldMasterId id="2147483768" r:id="rId1"/>
+    <p:sldMasterId id="2147483792" r:id="rId1"/>
   </p:sldMasterIdLst>
   <p:notesMasterIdLst>
     <p:notesMasterId r:id="rId14"/>
@@ -203,7 +203,7 @@
           <a:p>
             <a:fld id="{8BC46E75-6314-4F5E-A8E0-07516C522077}" type="datetimeFigureOut">
               <a:rPr lang="fr-FR" smtClean="0"/>
-              <a:t>07/10/2014</a:t>
+              <a:t>08/10/2014</a:t>
             </a:fld>
             <a:endParaRPr lang="fr-FR"/>
           </a:p>
@@ -873,11 +873,864 @@
             </a:r>
           </a:p>
           <a:p>
+            <a:endParaRPr lang="fr-FR" dirty="0" smtClean="0"/>
+          </a:p>
+          <a:p>
+            <a:r>
+              <a:rPr lang="fr-FR" sz="1200" b="0" i="0" kern="1200" dirty="0" smtClean="0">
+                <a:solidFill>
+                  <a:schemeClr val="tx1"/>
+                </a:solidFill>
+                <a:effectLst/>
+                <a:latin typeface="+mn-lt"/>
+                <a:ea typeface="+mn-ea"/>
+                <a:cs typeface="+mn-cs"/>
+              </a:rPr>
+              <a:t>ECUE est</a:t>
+            </a:r>
+            <a:r>
+              <a:rPr lang="fr-FR" sz="1200" b="0" i="0" kern="1200" dirty="0" smtClean="0">
+                <a:solidFill>
+                  <a:schemeClr val="tx1"/>
+                </a:solidFill>
+                <a:effectLst/>
+                <a:latin typeface="+mn-lt"/>
+                <a:ea typeface="+mn-ea"/>
+                <a:cs typeface="+mn-cs"/>
+              </a:rPr>
+              <a:t> un système d'apprentissage </a:t>
+            </a:r>
+            <a:r>
+              <a:rPr lang="fr-FR" sz="1200" b="0" i="0" kern="1200" dirty="0" smtClean="0">
+                <a:solidFill>
+                  <a:schemeClr val="tx1"/>
+                </a:solidFill>
+                <a:effectLst/>
+                <a:latin typeface="+mn-lt"/>
+                <a:ea typeface="+mn-ea"/>
+                <a:cs typeface="+mn-cs"/>
+              </a:rPr>
+              <a:t>automatique utilise les emails</a:t>
+            </a:r>
+            <a:r>
+              <a:rPr lang="fr-FR" sz="1200" b="0" i="0" kern="1200" baseline="0" dirty="0" smtClean="0">
+                <a:solidFill>
+                  <a:schemeClr val="tx1"/>
+                </a:solidFill>
+                <a:effectLst/>
+                <a:latin typeface="+mn-lt"/>
+                <a:ea typeface="+mn-ea"/>
+                <a:cs typeface="+mn-cs"/>
+              </a:rPr>
+              <a:t> </a:t>
+            </a:r>
+            <a:r>
+              <a:rPr lang="fr-FR" sz="1200" b="0" i="0" kern="1200" dirty="0" smtClean="0">
+                <a:solidFill>
+                  <a:schemeClr val="tx1"/>
+                </a:solidFill>
+                <a:effectLst/>
+                <a:latin typeface="+mn-lt"/>
+                <a:ea typeface="+mn-ea"/>
+                <a:cs typeface="+mn-cs"/>
+              </a:rPr>
+              <a:t>que l’utilisateur</a:t>
+            </a:r>
+            <a:r>
+              <a:rPr lang="fr-FR" sz="1200" b="0" i="0" kern="1200" baseline="0" dirty="0" smtClean="0">
+                <a:solidFill>
+                  <a:schemeClr val="tx1"/>
+                </a:solidFill>
+                <a:effectLst/>
+                <a:latin typeface="+mn-lt"/>
+                <a:ea typeface="+mn-ea"/>
+                <a:cs typeface="+mn-cs"/>
+              </a:rPr>
+              <a:t> à reçu par le passé</a:t>
+            </a:r>
+            <a:r>
+              <a:rPr lang="fr-FR" sz="1200" b="0" i="0" kern="1200" dirty="0" smtClean="0">
+                <a:solidFill>
+                  <a:schemeClr val="tx1"/>
+                </a:solidFill>
+                <a:effectLst/>
+                <a:latin typeface="+mn-lt"/>
+                <a:ea typeface="+mn-ea"/>
+                <a:cs typeface="+mn-cs"/>
+              </a:rPr>
+              <a:t>. Un training</a:t>
+            </a:r>
+            <a:r>
+              <a:rPr lang="fr-FR" sz="1200" b="0" i="0" kern="1200" baseline="0" dirty="0" smtClean="0">
+                <a:solidFill>
+                  <a:schemeClr val="tx1"/>
+                </a:solidFill>
+                <a:effectLst/>
+                <a:latin typeface="+mn-lt"/>
+                <a:ea typeface="+mn-ea"/>
+                <a:cs typeface="+mn-cs"/>
+              </a:rPr>
+              <a:t> set qui est constitué d’</a:t>
+            </a:r>
+            <a:r>
+              <a:rPr lang="fr-FR" sz="1200" b="0" i="0" kern="1200" dirty="0" smtClean="0">
+                <a:solidFill>
+                  <a:schemeClr val="tx1"/>
+                </a:solidFill>
+                <a:effectLst/>
+                <a:latin typeface="+mn-lt"/>
+                <a:ea typeface="+mn-ea"/>
+                <a:cs typeface="+mn-cs"/>
+              </a:rPr>
+              <a:t>emails précédemment reçus par une personne, Spam et légitiment</a:t>
+            </a:r>
+            <a:r>
+              <a:rPr lang="fr-FR" sz="1200" b="0" i="0" kern="1200" dirty="0" smtClean="0">
+                <a:solidFill>
+                  <a:schemeClr val="tx1"/>
+                </a:solidFill>
+                <a:effectLst/>
+                <a:latin typeface="+mn-lt"/>
+                <a:ea typeface="+mn-ea"/>
+                <a:cs typeface="+mn-cs"/>
+              </a:rPr>
+              <a:t>, </a:t>
+            </a:r>
+            <a:r>
+              <a:rPr lang="fr-FR" sz="1200" b="0" i="0" kern="1200" dirty="0" smtClean="0">
+                <a:solidFill>
+                  <a:schemeClr val="tx1"/>
+                </a:solidFill>
+                <a:effectLst/>
+                <a:latin typeface="+mn-lt"/>
+                <a:ea typeface="+mn-ea"/>
+                <a:cs typeface="+mn-cs"/>
+              </a:rPr>
+              <a:t>est</a:t>
+            </a:r>
+            <a:r>
+              <a:rPr lang="fr-FR" sz="1200" b="0" i="0" kern="1200" baseline="0" dirty="0" smtClean="0">
+                <a:solidFill>
+                  <a:schemeClr val="tx1"/>
+                </a:solidFill>
+                <a:effectLst/>
+                <a:latin typeface="+mn-lt"/>
+                <a:ea typeface="+mn-ea"/>
+                <a:cs typeface="+mn-cs"/>
+              </a:rPr>
+              <a:t> </a:t>
+            </a:r>
+            <a:r>
+              <a:rPr lang="fr-FR" sz="1200" b="0" i="0" kern="1200" dirty="0" smtClean="0">
+                <a:solidFill>
+                  <a:schemeClr val="tx1"/>
+                </a:solidFill>
+                <a:effectLst/>
+                <a:latin typeface="+mn-lt"/>
+                <a:ea typeface="+mn-ea"/>
+                <a:cs typeface="+mn-cs"/>
+              </a:rPr>
+              <a:t>créé.</a:t>
+            </a:r>
+            <a:r>
+              <a:rPr lang="fr-FR" sz="1200" b="0" i="0" kern="1200" baseline="0" dirty="0" smtClean="0">
+                <a:solidFill>
+                  <a:schemeClr val="tx1"/>
+                </a:solidFill>
+                <a:effectLst/>
+                <a:latin typeface="+mn-lt"/>
+                <a:ea typeface="+mn-ea"/>
+                <a:cs typeface="+mn-cs"/>
+              </a:rPr>
+              <a:t> Les nouveaux </a:t>
+            </a:r>
+            <a:r>
+              <a:rPr lang="fr-FR" sz="1200" b="0" i="0" kern="1200" dirty="0" smtClean="0">
+                <a:solidFill>
+                  <a:schemeClr val="tx1"/>
+                </a:solidFill>
+                <a:effectLst/>
+                <a:latin typeface="+mn-lt"/>
+                <a:ea typeface="+mn-ea"/>
+                <a:cs typeface="+mn-cs"/>
+              </a:rPr>
+              <a:t>emails sont classer en utilisant l'algorithme des K plus proche voisins (sur le training set). Les</a:t>
+            </a:r>
+            <a:r>
+              <a:rPr lang="fr-FR" sz="1200" b="0" i="0" kern="1200" dirty="0" smtClean="0">
+                <a:solidFill>
+                  <a:schemeClr val="tx1"/>
+                </a:solidFill>
+                <a:effectLst/>
+                <a:latin typeface="+mn-lt"/>
+                <a:ea typeface="+mn-ea"/>
+                <a:cs typeface="+mn-cs"/>
+              </a:rPr>
+              <a:t> </a:t>
+            </a:r>
+            <a:r>
+              <a:rPr lang="fr-FR" sz="1200" b="0" i="0" kern="1200" dirty="0" smtClean="0">
+                <a:solidFill>
+                  <a:schemeClr val="tx1"/>
+                </a:solidFill>
+                <a:effectLst/>
+                <a:latin typeface="+mn-lt"/>
+                <a:ea typeface="+mn-ea"/>
+                <a:cs typeface="+mn-cs"/>
+              </a:rPr>
+              <a:t>K emails</a:t>
+            </a:r>
+            <a:r>
+              <a:rPr lang="fr-FR" sz="1200" b="0" i="0" kern="1200" dirty="0" smtClean="0">
+                <a:solidFill>
+                  <a:schemeClr val="tx1"/>
+                </a:solidFill>
+                <a:effectLst/>
+                <a:latin typeface="+mn-lt"/>
+                <a:ea typeface="+mn-ea"/>
+                <a:cs typeface="+mn-cs"/>
+              </a:rPr>
+              <a:t> qui </a:t>
+            </a:r>
+            <a:r>
+              <a:rPr lang="fr-FR" sz="1200" b="0" i="0" kern="1200" dirty="0" smtClean="0">
+                <a:solidFill>
+                  <a:schemeClr val="tx1"/>
+                </a:solidFill>
+                <a:effectLst/>
+                <a:latin typeface="+mn-lt"/>
+                <a:ea typeface="+mn-ea"/>
+                <a:cs typeface="+mn-cs"/>
+              </a:rPr>
+              <a:t>sont</a:t>
+            </a:r>
+            <a:r>
+              <a:rPr lang="fr-FR" sz="1200" b="0" i="0" kern="1200" dirty="0" smtClean="0">
+                <a:solidFill>
+                  <a:schemeClr val="tx1"/>
+                </a:solidFill>
+                <a:effectLst/>
+                <a:latin typeface="+mn-lt"/>
+                <a:ea typeface="+mn-ea"/>
+                <a:cs typeface="+mn-cs"/>
+              </a:rPr>
+              <a:t> les plus </a:t>
+            </a:r>
+            <a:r>
+              <a:rPr lang="fr-FR" sz="1200" b="0" i="0" kern="1200" dirty="0" smtClean="0">
+                <a:solidFill>
+                  <a:schemeClr val="tx1"/>
+                </a:solidFill>
+                <a:effectLst/>
+                <a:latin typeface="+mn-lt"/>
+                <a:ea typeface="+mn-ea"/>
+                <a:cs typeface="+mn-cs"/>
+              </a:rPr>
+              <a:t>proches de</a:t>
+            </a:r>
+            <a:r>
+              <a:rPr lang="fr-FR" sz="1200" b="0" i="0" kern="1200" baseline="0" dirty="0" smtClean="0">
+                <a:solidFill>
+                  <a:schemeClr val="tx1"/>
+                </a:solidFill>
+                <a:effectLst/>
+                <a:latin typeface="+mn-lt"/>
+                <a:ea typeface="+mn-ea"/>
+                <a:cs typeface="+mn-cs"/>
+              </a:rPr>
+              <a:t> l’email </a:t>
+            </a:r>
+            <a:r>
+              <a:rPr lang="fr-FR" sz="1200" b="0" i="0" kern="1200" dirty="0" smtClean="0">
+                <a:solidFill>
+                  <a:schemeClr val="tx1"/>
+                </a:solidFill>
+                <a:effectLst/>
+                <a:latin typeface="+mn-lt"/>
+                <a:ea typeface="+mn-ea"/>
+                <a:cs typeface="+mn-cs"/>
+              </a:rPr>
+              <a:t>cible sont</a:t>
+            </a:r>
+            <a:r>
+              <a:rPr lang="fr-FR" sz="1200" b="0" i="0" kern="1200" dirty="0" smtClean="0">
+                <a:solidFill>
+                  <a:schemeClr val="tx1"/>
+                </a:solidFill>
+                <a:effectLst/>
+                <a:latin typeface="+mn-lt"/>
+                <a:ea typeface="+mn-ea"/>
+                <a:cs typeface="+mn-cs"/>
+              </a:rPr>
+              <a:t> employés </a:t>
+            </a:r>
+            <a:r>
+              <a:rPr lang="fr-FR" sz="1200" b="0" i="0" kern="1200" dirty="0" smtClean="0">
+                <a:solidFill>
+                  <a:schemeClr val="tx1"/>
+                </a:solidFill>
+                <a:effectLst/>
+                <a:latin typeface="+mn-lt"/>
+                <a:ea typeface="+mn-ea"/>
+                <a:cs typeface="+mn-cs"/>
+              </a:rPr>
+              <a:t>pour</a:t>
+            </a:r>
+            <a:r>
+              <a:rPr lang="fr-FR" sz="1200" b="0" i="0" kern="1200" baseline="0" dirty="0" smtClean="0">
+                <a:solidFill>
+                  <a:schemeClr val="tx1"/>
+                </a:solidFill>
+                <a:effectLst/>
+                <a:latin typeface="+mn-lt"/>
+                <a:ea typeface="+mn-ea"/>
+                <a:cs typeface="+mn-cs"/>
+              </a:rPr>
+              <a:t> </a:t>
+            </a:r>
+            <a:r>
+              <a:rPr lang="fr-FR" sz="1200" b="0" i="0" kern="1200" dirty="0" smtClean="0">
+                <a:solidFill>
+                  <a:schemeClr val="tx1"/>
+                </a:solidFill>
+                <a:effectLst/>
+                <a:latin typeface="+mn-lt"/>
+                <a:ea typeface="+mn-ea"/>
+                <a:cs typeface="+mn-cs"/>
+              </a:rPr>
+              <a:t>classer ce dernier. </a:t>
+            </a:r>
+          </a:p>
+          <a:p>
+            <a:endParaRPr lang="fr-FR" sz="1200" b="0" i="0" kern="1200" dirty="0" smtClean="0">
+              <a:solidFill>
+                <a:schemeClr val="tx1"/>
+              </a:solidFill>
+              <a:effectLst/>
+              <a:latin typeface="+mn-lt"/>
+              <a:ea typeface="+mn-ea"/>
+              <a:cs typeface="+mn-cs"/>
+            </a:endParaRPr>
+          </a:p>
+          <a:p>
+            <a:r>
+              <a:rPr lang="en-US" sz="1200" b="0" i="0" u="none" strike="noStrike" kern="1200" baseline="0" dirty="0" smtClean="0">
+                <a:solidFill>
+                  <a:schemeClr val="tx1"/>
+                </a:solidFill>
+                <a:latin typeface="+mn-lt"/>
+                <a:ea typeface="+mn-ea"/>
+                <a:cs typeface="+mn-cs"/>
+              </a:rPr>
+              <a:t>Due to the significance of False Positives (FPs), the classification process</a:t>
+            </a:r>
+          </a:p>
+          <a:p>
+            <a:r>
+              <a:rPr lang="en-US" sz="1200" b="0" i="0" u="none" strike="noStrike" kern="1200" baseline="0" dirty="0" smtClean="0">
+                <a:solidFill>
+                  <a:schemeClr val="tx1"/>
+                </a:solidFill>
+                <a:latin typeface="+mn-lt"/>
+                <a:ea typeface="+mn-ea"/>
+                <a:cs typeface="+mn-cs"/>
+              </a:rPr>
+              <a:t>uses unanimous voting to bias the classifier away from FP classifications. This</a:t>
+            </a:r>
+          </a:p>
+          <a:p>
+            <a:r>
+              <a:rPr lang="en-US" sz="1200" b="0" i="0" u="none" strike="noStrike" kern="1200" baseline="0" dirty="0" smtClean="0">
+                <a:solidFill>
+                  <a:schemeClr val="tx1"/>
+                </a:solidFill>
+                <a:latin typeface="+mn-lt"/>
+                <a:ea typeface="+mn-ea"/>
+                <a:cs typeface="+mn-cs"/>
+              </a:rPr>
+              <a:t>requires all </a:t>
+            </a:r>
+            <a:r>
+              <a:rPr lang="en-US" sz="1200" b="0" i="1" u="none" strike="noStrike" kern="1200" baseline="0" dirty="0" smtClean="0">
+                <a:solidFill>
+                  <a:schemeClr val="tx1"/>
+                </a:solidFill>
+                <a:latin typeface="+mn-lt"/>
+                <a:ea typeface="+mn-ea"/>
+                <a:cs typeface="+mn-cs"/>
+              </a:rPr>
+              <a:t>k </a:t>
+            </a:r>
+            <a:r>
+              <a:rPr lang="en-US" sz="1200" b="0" i="0" u="none" strike="noStrike" kern="1200" baseline="0" dirty="0" err="1" smtClean="0">
+                <a:solidFill>
+                  <a:schemeClr val="tx1"/>
+                </a:solidFill>
+                <a:latin typeface="+mn-lt"/>
+                <a:ea typeface="+mn-ea"/>
+                <a:cs typeface="+mn-cs"/>
+              </a:rPr>
+              <a:t>neighbours</a:t>
+            </a:r>
+            <a:r>
+              <a:rPr lang="en-US" sz="1200" b="0" i="0" u="none" strike="noStrike" kern="1200" baseline="0" dirty="0" smtClean="0">
+                <a:solidFill>
+                  <a:schemeClr val="tx1"/>
+                </a:solidFill>
+                <a:latin typeface="+mn-lt"/>
+                <a:ea typeface="+mn-ea"/>
+                <a:cs typeface="+mn-cs"/>
+              </a:rPr>
+              <a:t> retrieved by the Nearest </a:t>
+            </a:r>
+            <a:r>
+              <a:rPr lang="en-US" sz="1200" b="0" i="0" u="none" strike="noStrike" kern="1200" baseline="0" dirty="0" err="1" smtClean="0">
+                <a:solidFill>
+                  <a:schemeClr val="tx1"/>
+                </a:solidFill>
+                <a:latin typeface="+mn-lt"/>
+                <a:ea typeface="+mn-ea"/>
+                <a:cs typeface="+mn-cs"/>
+              </a:rPr>
+              <a:t>Neighbour</a:t>
+            </a:r>
+            <a:r>
+              <a:rPr lang="en-US" sz="1200" b="0" i="0" u="none" strike="noStrike" kern="1200" baseline="0" dirty="0" smtClean="0">
+                <a:solidFill>
+                  <a:schemeClr val="tx1"/>
+                </a:solidFill>
+                <a:latin typeface="+mn-lt"/>
+                <a:ea typeface="+mn-ea"/>
+                <a:cs typeface="+mn-cs"/>
+              </a:rPr>
+              <a:t> algorithm to be of</a:t>
+            </a:r>
+          </a:p>
+          <a:p>
+            <a:r>
+              <a:rPr lang="en-US" sz="1200" b="0" i="0" u="none" strike="noStrike" kern="1200" baseline="0" dirty="0" smtClean="0">
+                <a:solidFill>
+                  <a:schemeClr val="tx1"/>
+                </a:solidFill>
+                <a:latin typeface="+mn-lt"/>
+                <a:ea typeface="+mn-ea"/>
+                <a:cs typeface="+mn-cs"/>
+              </a:rPr>
+              <a:t>class </a:t>
+            </a:r>
+            <a:r>
+              <a:rPr lang="en-US" sz="1200" b="0" i="1" u="none" strike="noStrike" kern="1200" baseline="0" dirty="0" smtClean="0">
+                <a:solidFill>
+                  <a:schemeClr val="tx1"/>
+                </a:solidFill>
+                <a:latin typeface="+mn-lt"/>
+                <a:ea typeface="+mn-ea"/>
+                <a:cs typeface="+mn-cs"/>
+              </a:rPr>
+              <a:t>spam </a:t>
+            </a:r>
+            <a:r>
+              <a:rPr lang="en-US" sz="1200" b="0" i="0" u="none" strike="noStrike" kern="1200" baseline="0" dirty="0" smtClean="0">
+                <a:solidFill>
+                  <a:schemeClr val="tx1"/>
+                </a:solidFill>
+                <a:latin typeface="+mn-lt"/>
+                <a:ea typeface="+mn-ea"/>
+                <a:cs typeface="+mn-cs"/>
+              </a:rPr>
+              <a:t>before the target case can be classified as spam. A Case Retrieval</a:t>
+            </a:r>
+          </a:p>
+          <a:p>
+            <a:r>
+              <a:rPr lang="en-US" sz="1200" b="0" i="0" u="none" strike="noStrike" kern="1200" baseline="0" dirty="0" smtClean="0">
+                <a:solidFill>
+                  <a:schemeClr val="tx1"/>
+                </a:solidFill>
+                <a:latin typeface="+mn-lt"/>
+                <a:ea typeface="+mn-ea"/>
+                <a:cs typeface="+mn-cs"/>
+              </a:rPr>
+              <a:t>Net is used to speed up the retrieval process.</a:t>
+            </a:r>
+            <a:endParaRPr lang="fr-FR" sz="1200" b="0" i="0" kern="1200" dirty="0" smtClean="0">
+              <a:solidFill>
+                <a:schemeClr val="tx1"/>
+              </a:solidFill>
+              <a:effectLst/>
+              <a:latin typeface="+mn-lt"/>
+              <a:ea typeface="+mn-ea"/>
+              <a:cs typeface="+mn-cs"/>
+            </a:endParaRPr>
+          </a:p>
+          <a:p>
+            <a:r>
+              <a:rPr lang="fr-FR" sz="1200" b="0" i="0" kern="1200" dirty="0" smtClean="0">
+                <a:solidFill>
+                  <a:schemeClr val="tx1"/>
+                </a:solidFill>
+                <a:effectLst/>
+                <a:latin typeface="+mn-lt"/>
+                <a:ea typeface="+mn-ea"/>
+                <a:cs typeface="+mn-cs"/>
+              </a:rPr>
+              <a:t> </a:t>
+            </a:r>
+            <a:endParaRPr lang="fr-FR" sz="1200" b="0" i="0" kern="1200" dirty="0" smtClean="0">
+              <a:solidFill>
+                <a:schemeClr val="tx1"/>
+              </a:solidFill>
+              <a:effectLst/>
+              <a:latin typeface="+mn-lt"/>
+              <a:ea typeface="+mn-ea"/>
+              <a:cs typeface="+mn-cs"/>
+            </a:endParaRPr>
+          </a:p>
+          <a:p>
+            <a:pPr marL="0" marR="0" indent="0" algn="l" defTabSz="914400" rtl="0" eaLnBrk="1" fontAlgn="auto" latinLnBrk="0" hangingPunct="1">
+              <a:lnSpc>
+                <a:spcPct val="100000"/>
+              </a:lnSpc>
+              <a:spcBef>
+                <a:spcPts val="0"/>
+              </a:spcBef>
+              <a:spcAft>
+                <a:spcPts val="0"/>
+              </a:spcAft>
+              <a:buClrTx/>
+              <a:buSzTx/>
+              <a:buFontTx/>
+              <a:buNone/>
+              <a:tabLst/>
+              <a:defRPr/>
+            </a:pPr>
+            <a:r>
+              <a:rPr lang="fr-FR" baseline="0" dirty="0" smtClean="0"/>
+              <a:t>CBR : Pour à partir des données, choisir quels exemples seront les meilleurs pour servir d’exemple.</a:t>
+            </a:r>
+          </a:p>
+          <a:p>
+            <a:endParaRPr lang="fr-FR" sz="1200" b="0" i="0" kern="1200" dirty="0" smtClean="0">
+              <a:solidFill>
+                <a:schemeClr val="tx1"/>
+              </a:solidFill>
+              <a:effectLst/>
+              <a:latin typeface="+mn-lt"/>
+              <a:ea typeface="+mn-ea"/>
+              <a:cs typeface="+mn-cs"/>
+            </a:endParaRPr>
+          </a:p>
+          <a:p>
+            <a:pPr marL="0" marR="0" indent="0" algn="l" defTabSz="914400" rtl="0" eaLnBrk="1" fontAlgn="auto" latinLnBrk="0" hangingPunct="1">
+              <a:lnSpc>
+                <a:spcPct val="100000"/>
+              </a:lnSpc>
+              <a:spcBef>
+                <a:spcPts val="0"/>
+              </a:spcBef>
+              <a:spcAft>
+                <a:spcPts val="0"/>
+              </a:spcAft>
+              <a:buClrTx/>
+              <a:buSzTx/>
+              <a:buFontTx/>
+              <a:buNone/>
+              <a:tabLst/>
+              <a:defRPr/>
+            </a:pPr>
+            <a:r>
+              <a:rPr lang="fr-FR" sz="1200" b="0" i="0" kern="1200" dirty="0" smtClean="0">
+                <a:solidFill>
+                  <a:schemeClr val="tx1"/>
+                </a:solidFill>
+                <a:effectLst/>
+                <a:latin typeface="+mn-lt"/>
+                <a:ea typeface="+mn-ea"/>
+                <a:cs typeface="+mn-cs"/>
+              </a:rPr>
+              <a:t>Avant</a:t>
+            </a:r>
+            <a:r>
+              <a:rPr lang="fr-FR" sz="1200" b="0" i="0" kern="1200" baseline="0" dirty="0" smtClean="0">
+                <a:solidFill>
+                  <a:schemeClr val="tx1"/>
+                </a:solidFill>
+                <a:effectLst/>
+                <a:latin typeface="+mn-lt"/>
+                <a:ea typeface="+mn-ea"/>
+                <a:cs typeface="+mn-cs"/>
+              </a:rPr>
+              <a:t> de classer l’email</a:t>
+            </a:r>
+            <a:r>
+              <a:rPr lang="fr-FR" sz="1200" b="0" i="0" kern="1200" dirty="0" smtClean="0">
+                <a:solidFill>
+                  <a:schemeClr val="tx1"/>
+                </a:solidFill>
+                <a:effectLst/>
+                <a:latin typeface="+mn-lt"/>
+                <a:ea typeface="+mn-ea"/>
+                <a:cs typeface="+mn-cs"/>
+              </a:rPr>
+              <a:t>,</a:t>
+            </a:r>
+            <a:r>
+              <a:rPr lang="fr-FR" sz="1200" b="0" i="0" kern="1200" dirty="0" smtClean="0">
+                <a:solidFill>
+                  <a:schemeClr val="tx1"/>
+                </a:solidFill>
+                <a:effectLst/>
+                <a:latin typeface="+mn-lt"/>
+                <a:ea typeface="+mn-ea"/>
+                <a:cs typeface="+mn-cs"/>
+              </a:rPr>
+              <a:t> </a:t>
+            </a:r>
+            <a:r>
+              <a:rPr lang="fr-FR" sz="1200" b="0" i="0" kern="1200" dirty="0" smtClean="0">
+                <a:solidFill>
+                  <a:schemeClr val="tx1"/>
+                </a:solidFill>
+                <a:effectLst/>
+                <a:latin typeface="+mn-lt"/>
+                <a:ea typeface="+mn-ea"/>
+                <a:cs typeface="+mn-cs"/>
+              </a:rPr>
+              <a:t>une</a:t>
+            </a:r>
+            <a:r>
+              <a:rPr lang="fr-FR" sz="1200" b="0" i="0" kern="1200" baseline="0" dirty="0" smtClean="0">
+                <a:solidFill>
+                  <a:schemeClr val="tx1"/>
+                </a:solidFill>
+                <a:effectLst/>
+                <a:latin typeface="+mn-lt"/>
+                <a:ea typeface="+mn-ea"/>
+                <a:cs typeface="+mn-cs"/>
+              </a:rPr>
+              <a:t> modification du </a:t>
+            </a:r>
+            <a:r>
+              <a:rPr lang="fr-FR" sz="1200" b="0" i="0" kern="1200" dirty="0" smtClean="0">
+                <a:solidFill>
+                  <a:schemeClr val="tx1"/>
+                </a:solidFill>
+                <a:effectLst/>
+                <a:latin typeface="+mn-lt"/>
+                <a:ea typeface="+mn-ea"/>
+                <a:cs typeface="+mn-cs"/>
+              </a:rPr>
+              <a:t>training set (ou CBE pour case base </a:t>
+            </a:r>
+            <a:r>
+              <a:rPr lang="fr-FR" sz="1200" b="0" i="0" kern="1200" dirty="0" err="1" smtClean="0">
+                <a:solidFill>
+                  <a:schemeClr val="tx1"/>
+                </a:solidFill>
+                <a:effectLst/>
+                <a:latin typeface="+mn-lt"/>
+                <a:ea typeface="+mn-ea"/>
+                <a:cs typeface="+mn-cs"/>
+              </a:rPr>
+              <a:t>editing</a:t>
+            </a:r>
+            <a:r>
+              <a:rPr lang="fr-FR" sz="1200" b="0" i="0" kern="1200" baseline="0" dirty="0" smtClean="0">
+                <a:solidFill>
+                  <a:schemeClr val="tx1"/>
+                </a:solidFill>
+                <a:effectLst/>
+                <a:latin typeface="+mn-lt"/>
+                <a:ea typeface="+mn-ea"/>
+                <a:cs typeface="+mn-cs"/>
+              </a:rPr>
+              <a:t>)</a:t>
+            </a:r>
+            <a:r>
+              <a:rPr lang="fr-FR" sz="1200" b="0" i="0" kern="1200" dirty="0" smtClean="0">
+                <a:solidFill>
+                  <a:schemeClr val="tx1"/>
+                </a:solidFill>
+                <a:effectLst/>
+                <a:latin typeface="+mn-lt"/>
+                <a:ea typeface="+mn-ea"/>
+                <a:cs typeface="+mn-cs"/>
+              </a:rPr>
+              <a:t> est effectuée </a:t>
+            </a:r>
+            <a:r>
+              <a:rPr lang="fr-FR" sz="1200" b="0" i="0" kern="1200" dirty="0" smtClean="0">
+                <a:solidFill>
+                  <a:schemeClr val="tx1"/>
+                </a:solidFill>
+                <a:effectLst/>
+                <a:latin typeface="+mn-lt"/>
+                <a:ea typeface="+mn-ea"/>
+                <a:cs typeface="+mn-cs"/>
+              </a:rPr>
+              <a:t>pour réduire</a:t>
+            </a:r>
+            <a:r>
+              <a:rPr lang="fr-FR" sz="1200" b="0" i="0" kern="1200" baseline="0" dirty="0" smtClean="0">
+                <a:solidFill>
+                  <a:schemeClr val="tx1"/>
+                </a:solidFill>
+                <a:effectLst/>
+                <a:latin typeface="+mn-lt"/>
+                <a:ea typeface="+mn-ea"/>
+                <a:cs typeface="+mn-cs"/>
+              </a:rPr>
+              <a:t> </a:t>
+            </a:r>
+            <a:r>
+              <a:rPr lang="fr-FR" sz="1200" b="0" i="0" kern="1200" dirty="0" smtClean="0">
+                <a:solidFill>
+                  <a:schemeClr val="tx1"/>
+                </a:solidFill>
+                <a:effectLst/>
+                <a:latin typeface="+mn-lt"/>
+                <a:ea typeface="+mn-ea"/>
+                <a:cs typeface="+mn-cs"/>
+              </a:rPr>
+              <a:t>le nombre</a:t>
+            </a:r>
+            <a:r>
+              <a:rPr lang="fr-FR" sz="1200" b="0" i="0" kern="1200" dirty="0" smtClean="0">
+                <a:solidFill>
+                  <a:schemeClr val="tx1"/>
+                </a:solidFill>
+                <a:effectLst/>
+                <a:latin typeface="+mn-lt"/>
+                <a:ea typeface="+mn-ea"/>
+                <a:cs typeface="+mn-cs"/>
+              </a:rPr>
+              <a:t> </a:t>
+            </a:r>
+            <a:r>
+              <a:rPr lang="fr-FR" sz="1200" b="0" i="0" kern="1200" dirty="0" smtClean="0">
+                <a:solidFill>
+                  <a:schemeClr val="tx1"/>
+                </a:solidFill>
+                <a:effectLst/>
+                <a:latin typeface="+mn-lt"/>
+                <a:ea typeface="+mn-ea"/>
+                <a:cs typeface="+mn-cs"/>
+              </a:rPr>
+              <a:t>d’email.</a:t>
+            </a:r>
+            <a:r>
+              <a:rPr lang="fr-FR" sz="1200" b="0" i="0" kern="1200" dirty="0" smtClean="0">
+                <a:solidFill>
+                  <a:schemeClr val="tx1"/>
+                </a:solidFill>
+                <a:effectLst/>
+                <a:latin typeface="+mn-lt"/>
+                <a:ea typeface="+mn-ea"/>
+                <a:cs typeface="+mn-cs"/>
+              </a:rPr>
+              <a:t> </a:t>
+            </a:r>
+            <a:r>
+              <a:rPr lang="fr-FR" sz="1200" b="0" i="0" kern="1200" dirty="0" smtClean="0">
+                <a:solidFill>
+                  <a:schemeClr val="tx1"/>
+                </a:solidFill>
+                <a:effectLst/>
+                <a:latin typeface="+mn-lt"/>
+                <a:ea typeface="+mn-ea"/>
+                <a:cs typeface="+mn-cs"/>
+              </a:rPr>
+              <a:t>Le training set est</a:t>
+            </a:r>
+            <a:r>
+              <a:rPr lang="fr-FR" sz="1200" b="0" i="0" kern="1200" baseline="0" dirty="0" smtClean="0">
+                <a:solidFill>
+                  <a:schemeClr val="tx1"/>
+                </a:solidFill>
+                <a:effectLst/>
+                <a:latin typeface="+mn-lt"/>
+                <a:ea typeface="+mn-ea"/>
+                <a:cs typeface="+mn-cs"/>
+              </a:rPr>
+              <a:t> donc</a:t>
+            </a:r>
+            <a:r>
+              <a:rPr lang="fr-FR" sz="1200" b="0" i="0" kern="1200" dirty="0" smtClean="0">
+                <a:solidFill>
+                  <a:schemeClr val="tx1"/>
+                </a:solidFill>
+                <a:effectLst/>
+                <a:latin typeface="+mn-lt"/>
+                <a:ea typeface="+mn-ea"/>
+                <a:cs typeface="+mn-cs"/>
+              </a:rPr>
+              <a:t> </a:t>
+            </a:r>
+            <a:r>
+              <a:rPr lang="fr-FR" sz="1200" b="0" i="0" kern="1200" dirty="0" smtClean="0">
+                <a:solidFill>
+                  <a:schemeClr val="tx1"/>
+                </a:solidFill>
+                <a:effectLst/>
+                <a:latin typeface="+mn-lt"/>
+                <a:ea typeface="+mn-ea"/>
+                <a:cs typeface="+mn-cs"/>
+              </a:rPr>
+              <a:t>éditée avec</a:t>
+            </a:r>
+            <a:r>
+              <a:rPr lang="fr-FR" sz="1200" b="0" i="0" kern="1200" dirty="0" smtClean="0">
+                <a:solidFill>
+                  <a:schemeClr val="tx1"/>
+                </a:solidFill>
+                <a:effectLst/>
+                <a:latin typeface="+mn-lt"/>
+                <a:ea typeface="+mn-ea"/>
+                <a:cs typeface="+mn-cs"/>
+              </a:rPr>
+              <a:t> </a:t>
+            </a:r>
+            <a:r>
+              <a:rPr lang="fr-FR" sz="1200" b="0" i="0" kern="1200" dirty="0" smtClean="0">
+                <a:solidFill>
+                  <a:schemeClr val="tx1"/>
+                </a:solidFill>
+                <a:effectLst/>
+                <a:latin typeface="+mn-lt"/>
+                <a:ea typeface="+mn-ea"/>
+                <a:cs typeface="+mn-cs"/>
+              </a:rPr>
+              <a:t>la</a:t>
+            </a:r>
+            <a:r>
+              <a:rPr lang="fr-FR" sz="1200" b="0" i="0" kern="1200" dirty="0" smtClean="0">
+                <a:solidFill>
+                  <a:schemeClr val="tx1"/>
+                </a:solidFill>
+                <a:effectLst/>
+                <a:latin typeface="+mn-lt"/>
+                <a:ea typeface="+mn-ea"/>
+                <a:cs typeface="+mn-cs"/>
+              </a:rPr>
+              <a:t> technique </a:t>
+            </a:r>
+            <a:r>
+              <a:rPr lang="fr-FR" sz="1200" b="0" i="0" kern="1200" dirty="0" smtClean="0">
+                <a:solidFill>
+                  <a:schemeClr val="tx1"/>
+                </a:solidFill>
+                <a:effectLst/>
+                <a:latin typeface="+mn-lt"/>
+                <a:ea typeface="+mn-ea"/>
+                <a:cs typeface="+mn-cs"/>
+              </a:rPr>
+              <a:t>CBE</a:t>
+            </a:r>
             <a:r>
               <a:rPr lang="fr-FR" dirty="0" smtClean="0"/>
-              <a:t>CBE : Deux étapes enlever le bruit et les cas redondants. Et augmente les perfs</a:t>
-            </a:r>
-            <a:endParaRPr lang="fr-FR" dirty="0"/>
+              <a:t> pour enlever le bruit et les cas redondants. Et augmente les perfs.</a:t>
+            </a:r>
+            <a:endParaRPr lang="fr-FR" dirty="0" smtClean="0"/>
           </a:p>
         </p:txBody>
       </p:sp>
@@ -1044,8 +1897,8 @@
         </p:nvSpPr>
         <p:spPr/>
       </p:sp>
-      <mc:AlternateContent xmlns:mc="http://schemas.openxmlformats.org/markup-compatibility/2006">
-        <mc:Choice xmlns:a14="http://schemas.microsoft.com/office/drawing/2010/main" Requires="a14">
+      <mc:AlternateContent xmlns:mc="http://schemas.openxmlformats.org/markup-compatibility/2006" xmlns:a14="http://schemas.microsoft.com/office/drawing/2010/main">
+        <mc:Choice Requires="a14">
           <p:sp>
             <p:nvSpPr>
               <p:cNvPr id="3" name="Espace réservé des commentaires 2"/>
@@ -1073,7 +1926,7 @@
                 </a:r>
                 <a14:m>
                   <m:oMath xmlns:m="http://schemas.openxmlformats.org/officeDocument/2006/math">
-                    <a:fld id="{EAFFF6C7-ADBE-4A42-865D-475472284C39}" type="mathplaceholder">
+                    <a:fld id="{2562ACC9-DAF0-44A7-9692-0B4299742F49}" type="mathplaceholder">
                       <a:rPr lang="fr-FR" i="1" smtClean="0">
                         <a:latin typeface="Cambria Math"/>
                       </a:rPr>
@@ -1081,6 +1934,7 @@
                     </a:fld>
                   </m:oMath>
                 </a14:m>
+                <a:endParaRPr lang="fr-FR" dirty="0" smtClean="0"/>
               </a:p>
               <a:p>
                 <a:r>
@@ -1110,7 +1964,7 @@
             </p:txBody>
           </p:sp>
         </mc:Choice>
-        <mc:Fallback>
+        <mc:Fallback xmlns="">
           <p:sp>
             <p:nvSpPr>
               <p:cNvPr id="3" name="Espace réservé des commentaires 2"/>
@@ -1262,6 +2116,618 @@
               <a:rPr lang="fr-FR" dirty="0" smtClean="0"/>
               <a:t>MAX</a:t>
             </a:r>
+          </a:p>
+          <a:p>
+            <a:r>
+              <a:rPr lang="fr-FR" dirty="0" smtClean="0"/>
+              <a:t>Nous allons vous</a:t>
+            </a:r>
+            <a:r>
+              <a:rPr lang="fr-FR" baseline="0" dirty="0" smtClean="0"/>
+              <a:t> présenter l’expérience réalisé par les auteurs. L’objectif de l’expérience était de remplacer la mesure de similarité par </a:t>
+            </a:r>
+            <a:r>
+              <a:rPr lang="fr-FR" baseline="0" dirty="0" smtClean="0"/>
+              <a:t>caractéristiques qu’ECUE </a:t>
+            </a:r>
+            <a:r>
+              <a:rPr lang="fr-FR" baseline="0" dirty="0" smtClean="0"/>
+              <a:t>utilise par une mesure de similarité par compression et de comparer les deux mesures.</a:t>
+            </a:r>
+          </a:p>
+          <a:p>
+            <a:r>
+              <a:rPr lang="fr-FR" sz="1200" b="0" i="0" kern="1200" dirty="0" smtClean="0">
+                <a:solidFill>
+                  <a:schemeClr val="tx1"/>
+                </a:solidFill>
+                <a:effectLst/>
+                <a:latin typeface="+mn-lt"/>
+                <a:ea typeface="+mn-ea"/>
+                <a:cs typeface="+mn-cs"/>
+              </a:rPr>
+              <a:t>Les ensembles de données utilisés dans cette évaluation ont été</a:t>
+            </a:r>
+            <a:r>
+              <a:rPr lang="fr-FR" sz="1200" b="0" i="0" kern="1200" baseline="0" dirty="0" smtClean="0">
+                <a:solidFill>
+                  <a:schemeClr val="tx1"/>
+                </a:solidFill>
+                <a:effectLst/>
+                <a:latin typeface="+mn-lt"/>
+                <a:ea typeface="+mn-ea"/>
+                <a:cs typeface="+mn-cs"/>
+              </a:rPr>
+              <a:t> </a:t>
+            </a:r>
+            <a:r>
+              <a:rPr lang="fr-FR" sz="1200" b="0" i="0" kern="1200" dirty="0" smtClean="0">
+                <a:solidFill>
+                  <a:schemeClr val="tx1"/>
+                </a:solidFill>
+                <a:effectLst/>
+                <a:latin typeface="+mn-lt"/>
+                <a:ea typeface="+mn-ea"/>
+                <a:cs typeface="+mn-cs"/>
+              </a:rPr>
+              <a:t>dérivés de deux corpus d'email. </a:t>
+            </a:r>
+          </a:p>
+          <a:p>
+            <a:r>
+              <a:rPr lang="fr-FR" dirty="0" smtClean="0"/>
+              <a:t/>
+            </a:r>
+            <a:br>
+              <a:rPr lang="fr-FR" dirty="0" smtClean="0"/>
+            </a:br>
+            <a:r>
+              <a:rPr lang="fr-FR" sz="1200" b="0" i="0" kern="1200" dirty="0" smtClean="0">
+                <a:solidFill>
+                  <a:schemeClr val="tx1"/>
+                </a:solidFill>
+                <a:effectLst/>
+                <a:latin typeface="+mn-lt"/>
+                <a:ea typeface="+mn-ea"/>
+                <a:cs typeface="+mn-cs"/>
+              </a:rPr>
+              <a:t>Les emails légitimes dans chaque corpus incluent</a:t>
+            </a:r>
+            <a:r>
+              <a:rPr lang="fr-FR" sz="1200" b="0" i="0" kern="1200" baseline="0" dirty="0" smtClean="0">
+                <a:solidFill>
+                  <a:schemeClr val="tx1"/>
+                </a:solidFill>
+                <a:effectLst/>
+                <a:latin typeface="+mn-lt"/>
+                <a:ea typeface="+mn-ea"/>
+                <a:cs typeface="+mn-cs"/>
+              </a:rPr>
+              <a:t> une liste d’emails</a:t>
+            </a:r>
+            <a:r>
+              <a:rPr lang="fr-FR" sz="1200" b="0" i="0" kern="1200" dirty="0" smtClean="0">
+                <a:solidFill>
+                  <a:schemeClr val="tx1"/>
+                </a:solidFill>
+                <a:effectLst/>
+                <a:latin typeface="+mn-lt"/>
+                <a:ea typeface="+mn-ea"/>
+                <a:cs typeface="+mn-cs"/>
+              </a:rPr>
+              <a:t> personnel, d'affaires et liste d'adresses. </a:t>
+            </a:r>
+          </a:p>
+          <a:p>
+            <a:endParaRPr lang="fr-FR" sz="1200" b="0" i="0" kern="1200" dirty="0" smtClean="0">
+              <a:solidFill>
+                <a:schemeClr val="tx1"/>
+              </a:solidFill>
+              <a:effectLst/>
+              <a:latin typeface="+mn-lt"/>
+              <a:ea typeface="+mn-ea"/>
+              <a:cs typeface="+mn-cs"/>
+            </a:endParaRPr>
+          </a:p>
+          <a:p>
+            <a:r>
+              <a:rPr lang="fr-FR" sz="1200" b="0" i="0" kern="1200" dirty="0" smtClean="0">
+                <a:solidFill>
+                  <a:schemeClr val="tx1"/>
+                </a:solidFill>
+                <a:effectLst/>
+                <a:latin typeface="+mn-lt"/>
+                <a:ea typeface="+mn-ea"/>
+                <a:cs typeface="+mn-cs"/>
+              </a:rPr>
+              <a:t>Deux ensembles de données (ensembles de données 1,1 et 1,2) ont été extraits à partir d'un corpus, alors que les ensembles de données 2,1 et 2,2 étaient extraits à partir de l'autre.</a:t>
+            </a:r>
+          </a:p>
+          <a:p>
+            <a:r>
+              <a:rPr lang="fr-FR" sz="1200" b="0" i="0" kern="1200" dirty="0" smtClean="0">
+                <a:solidFill>
+                  <a:schemeClr val="tx1"/>
+                </a:solidFill>
+                <a:effectLst/>
+                <a:latin typeface="+mn-lt"/>
+                <a:ea typeface="+mn-ea"/>
+                <a:cs typeface="+mn-cs"/>
+              </a:rPr>
+              <a:t>Chaque ensemble de données se compose de 1000</a:t>
+            </a:r>
+            <a:r>
+              <a:rPr lang="fr-FR" sz="1200" b="0" i="0" kern="1200" baseline="0" dirty="0" smtClean="0">
+                <a:solidFill>
+                  <a:schemeClr val="tx1"/>
+                </a:solidFill>
+                <a:effectLst/>
+                <a:latin typeface="+mn-lt"/>
+                <a:ea typeface="+mn-ea"/>
+                <a:cs typeface="+mn-cs"/>
+              </a:rPr>
+              <a:t> </a:t>
+            </a:r>
+            <a:r>
+              <a:rPr lang="fr-FR" sz="1200" b="0" i="0" kern="1200" dirty="0" smtClean="0">
+                <a:solidFill>
+                  <a:schemeClr val="tx1"/>
+                </a:solidFill>
+                <a:effectLst/>
+                <a:latin typeface="+mn-lt"/>
+                <a:ea typeface="+mn-ea"/>
+                <a:cs typeface="+mn-cs"/>
+              </a:rPr>
+              <a:t>emails,</a:t>
+            </a:r>
+            <a:r>
+              <a:rPr lang="fr-FR" sz="1200" b="0" i="0" kern="1200" baseline="0" dirty="0" smtClean="0">
+                <a:solidFill>
+                  <a:schemeClr val="tx1"/>
+                </a:solidFill>
+                <a:effectLst/>
+                <a:latin typeface="+mn-lt"/>
+                <a:ea typeface="+mn-ea"/>
+                <a:cs typeface="+mn-cs"/>
+              </a:rPr>
+              <a:t> </a:t>
+            </a:r>
+            <a:r>
+              <a:rPr lang="fr-FR" sz="1200" b="0" i="0" kern="1200" dirty="0" smtClean="0">
+                <a:solidFill>
+                  <a:schemeClr val="tx1"/>
+                </a:solidFill>
+                <a:effectLst/>
+                <a:latin typeface="+mn-lt"/>
+                <a:ea typeface="+mn-ea"/>
+                <a:cs typeface="+mn-cs"/>
+              </a:rPr>
+              <a:t>500</a:t>
+            </a:r>
+            <a:r>
+              <a:rPr lang="fr-FR" sz="1200" b="0" i="0" kern="1200" baseline="0" dirty="0" smtClean="0">
+                <a:solidFill>
+                  <a:schemeClr val="tx1"/>
+                </a:solidFill>
+                <a:effectLst/>
+                <a:latin typeface="+mn-lt"/>
+                <a:ea typeface="+mn-ea"/>
+                <a:cs typeface="+mn-cs"/>
+              </a:rPr>
+              <a:t> </a:t>
+            </a:r>
+            <a:r>
+              <a:rPr lang="fr-FR" sz="1200" b="0" i="0" kern="1200" dirty="0" smtClean="0">
+                <a:solidFill>
+                  <a:schemeClr val="tx1"/>
+                </a:solidFill>
+                <a:effectLst/>
+                <a:latin typeface="+mn-lt"/>
+                <a:ea typeface="+mn-ea"/>
+                <a:cs typeface="+mn-cs"/>
+              </a:rPr>
+              <a:t>de chaque classe, reçus sur une période d'approximativement trois mois. </a:t>
+            </a:r>
+          </a:p>
+          <a:p>
+            <a:endParaRPr lang="fr-FR" sz="1200" b="0" i="0" kern="1200" dirty="0" smtClean="0">
+              <a:solidFill>
+                <a:schemeClr val="tx1"/>
+              </a:solidFill>
+              <a:effectLst/>
+              <a:latin typeface="+mn-lt"/>
+              <a:ea typeface="+mn-ea"/>
+              <a:cs typeface="+mn-cs"/>
+            </a:endParaRPr>
+          </a:p>
+          <a:p>
+            <a:r>
+              <a:rPr lang="fr-FR" sz="1200" b="0" i="0" kern="1200" dirty="0" smtClean="0">
+                <a:solidFill>
+                  <a:schemeClr val="tx1"/>
+                </a:solidFill>
+                <a:effectLst/>
+                <a:latin typeface="+mn-lt"/>
+                <a:ea typeface="+mn-ea"/>
+                <a:cs typeface="+mn-cs"/>
+              </a:rPr>
+              <a:t>La plupart des personnes ne reçoivent pas les volumes égaux de Spams et d’emails légitiment, mais les distributions réelles varient considérablement en</a:t>
+            </a:r>
+            <a:r>
+              <a:rPr lang="fr-FR" sz="1200" b="0" i="0" kern="1200" baseline="0" dirty="0" smtClean="0">
+                <a:solidFill>
+                  <a:schemeClr val="tx1"/>
+                </a:solidFill>
+                <a:effectLst/>
+                <a:latin typeface="+mn-lt"/>
+                <a:ea typeface="+mn-ea"/>
+                <a:cs typeface="+mn-cs"/>
+              </a:rPr>
+              <a:t> fonction des différentes personnes</a:t>
+            </a:r>
+            <a:r>
+              <a:rPr lang="fr-FR" sz="1200" b="0" i="0" kern="1200" dirty="0" smtClean="0">
+                <a:solidFill>
+                  <a:schemeClr val="tx1"/>
+                </a:solidFill>
+                <a:effectLst/>
+                <a:latin typeface="+mn-lt"/>
+                <a:ea typeface="+mn-ea"/>
+                <a:cs typeface="+mn-cs"/>
+              </a:rPr>
+              <a:t>.</a:t>
+            </a:r>
+          </a:p>
+          <a:p>
+            <a:r>
+              <a:rPr lang="fr-FR" dirty="0" smtClean="0"/>
+              <a:t/>
+            </a:r>
+            <a:br>
+              <a:rPr lang="fr-FR" dirty="0" smtClean="0"/>
+            </a:br>
+            <a:r>
+              <a:rPr lang="fr-FR" sz="1200" b="0" i="0" kern="1200" dirty="0" smtClean="0">
+                <a:solidFill>
+                  <a:schemeClr val="tx1"/>
+                </a:solidFill>
+                <a:effectLst/>
+                <a:latin typeface="+mn-lt"/>
+                <a:ea typeface="+mn-ea"/>
+                <a:cs typeface="+mn-cs"/>
+              </a:rPr>
+              <a:t>Pour évaluer cette évaluation on utilise : </a:t>
+            </a:r>
+          </a:p>
+          <a:p>
+            <a:r>
+              <a:rPr lang="fr-FR" sz="1200" b="0" i="0" kern="1200" dirty="0" smtClean="0">
+                <a:solidFill>
+                  <a:schemeClr val="tx1"/>
+                </a:solidFill>
+                <a:effectLst/>
+                <a:latin typeface="+mn-lt"/>
+                <a:ea typeface="+mn-ea"/>
+                <a:cs typeface="+mn-cs"/>
+              </a:rPr>
+              <a:t>(i) le taux d'erreurs, c.-à-d. la proportion globale des emails </a:t>
+            </a:r>
+            <a:r>
+              <a:rPr lang="fr-FR" sz="1200" b="0" i="0" kern="1200" dirty="0" smtClean="0">
+                <a:solidFill>
+                  <a:schemeClr val="tx1"/>
+                </a:solidFill>
+                <a:effectLst/>
+                <a:latin typeface="+mn-lt"/>
+                <a:ea typeface="+mn-ea"/>
+                <a:cs typeface="+mn-cs"/>
+              </a:rPr>
+              <a:t>qui</a:t>
+            </a:r>
+            <a:r>
+              <a:rPr lang="fr-FR" sz="1200" b="0" i="0" kern="1200" baseline="0" dirty="0" smtClean="0">
+                <a:solidFill>
+                  <a:schemeClr val="tx1"/>
+                </a:solidFill>
+                <a:effectLst/>
+                <a:latin typeface="+mn-lt"/>
+                <a:ea typeface="+mn-ea"/>
+                <a:cs typeface="+mn-cs"/>
+              </a:rPr>
+              <a:t> ne sont</a:t>
+            </a:r>
+            <a:r>
+              <a:rPr lang="fr-FR" sz="1200" b="0" i="0" kern="1200" dirty="0" smtClean="0">
+                <a:solidFill>
+                  <a:schemeClr val="tx1"/>
+                </a:solidFill>
+                <a:effectLst/>
+                <a:latin typeface="+mn-lt"/>
+                <a:ea typeface="+mn-ea"/>
+                <a:cs typeface="+mn-cs"/>
+              </a:rPr>
+              <a:t> pas filtrés </a:t>
+            </a:r>
+            <a:r>
+              <a:rPr lang="fr-FR" sz="1200" b="0" i="0" kern="1200" dirty="0" smtClean="0">
+                <a:solidFill>
+                  <a:schemeClr val="tx1"/>
+                </a:solidFill>
+                <a:effectLst/>
+                <a:latin typeface="+mn-lt"/>
+                <a:ea typeface="+mn-ea"/>
+                <a:cs typeface="+mn-cs"/>
+              </a:rPr>
+              <a:t>correctement</a:t>
+            </a:r>
+            <a:r>
+              <a:rPr lang="fr-FR" sz="1200" b="0" i="0" kern="1200" baseline="0" dirty="0" smtClean="0">
+                <a:solidFill>
+                  <a:schemeClr val="tx1"/>
+                </a:solidFill>
+                <a:effectLst/>
+                <a:latin typeface="+mn-lt"/>
+                <a:ea typeface="+mn-ea"/>
+                <a:cs typeface="+mn-cs"/>
+              </a:rPr>
+              <a:t> </a:t>
+            </a:r>
+            <a:r>
+              <a:rPr lang="fr-FR" sz="1200" b="0" i="0" kern="1200" dirty="0" smtClean="0">
+                <a:solidFill>
+                  <a:schemeClr val="tx1"/>
+                </a:solidFill>
+                <a:effectLst/>
+                <a:latin typeface="+mn-lt"/>
+                <a:ea typeface="+mn-ea"/>
+                <a:cs typeface="+mn-cs"/>
+              </a:rPr>
+              <a:t>(%</a:t>
+            </a:r>
+            <a:r>
+              <a:rPr lang="fr-FR" sz="1200" b="0" i="0" kern="1200" dirty="0" err="1" smtClean="0">
+                <a:solidFill>
+                  <a:schemeClr val="tx1"/>
+                </a:solidFill>
+                <a:effectLst/>
+                <a:latin typeface="+mn-lt"/>
+                <a:ea typeface="+mn-ea"/>
+                <a:cs typeface="+mn-cs"/>
+              </a:rPr>
+              <a:t>Err</a:t>
+            </a:r>
+            <a:r>
+              <a:rPr lang="fr-FR" sz="1200" b="0" i="0" kern="1200" dirty="0" smtClean="0">
+                <a:solidFill>
+                  <a:schemeClr val="tx1"/>
+                </a:solidFill>
+                <a:effectLst/>
+                <a:latin typeface="+mn-lt"/>
+                <a:ea typeface="+mn-ea"/>
+                <a:cs typeface="+mn-cs"/>
+              </a:rPr>
+              <a:t>). </a:t>
+            </a:r>
+          </a:p>
+          <a:p>
+            <a:r>
+              <a:rPr lang="fr-FR" sz="1200" b="0" i="0" kern="1200" dirty="0" smtClean="0">
+                <a:solidFill>
+                  <a:schemeClr val="tx1"/>
+                </a:solidFill>
+                <a:effectLst/>
+                <a:latin typeface="+mn-lt"/>
+                <a:ea typeface="+mn-ea"/>
+                <a:cs typeface="+mn-cs"/>
+              </a:rPr>
+              <a:t>(</a:t>
+            </a:r>
+            <a:r>
+              <a:rPr lang="fr-FR" sz="1200" b="0" i="0" kern="1200" dirty="0" smtClean="0">
+                <a:solidFill>
+                  <a:schemeClr val="tx1"/>
+                </a:solidFill>
+                <a:effectLst/>
+                <a:latin typeface="+mn-lt"/>
+                <a:ea typeface="+mn-ea"/>
+                <a:cs typeface="+mn-cs"/>
+              </a:rPr>
+              <a:t>ii) le taux Faux</a:t>
+            </a:r>
+            <a:r>
+              <a:rPr lang="fr-FR" sz="1200" b="0" i="0" kern="1200" baseline="0" dirty="0" smtClean="0">
+                <a:solidFill>
+                  <a:schemeClr val="tx1"/>
+                </a:solidFill>
+                <a:effectLst/>
+                <a:latin typeface="+mn-lt"/>
+                <a:ea typeface="+mn-ea"/>
+                <a:cs typeface="+mn-cs"/>
+              </a:rPr>
+              <a:t> négatifs</a:t>
+            </a:r>
+            <a:r>
+              <a:rPr lang="fr-FR" sz="1200" b="0" i="0" kern="1200" dirty="0" smtClean="0">
+                <a:solidFill>
+                  <a:schemeClr val="tx1"/>
+                </a:solidFill>
+                <a:effectLst/>
+                <a:latin typeface="+mn-lt"/>
+                <a:ea typeface="+mn-ea"/>
+                <a:cs typeface="+mn-cs"/>
+              </a:rPr>
+              <a:t>, c.-à-d. la proportion des Spam qui ont été manqués (%</a:t>
+            </a:r>
+            <a:r>
+              <a:rPr lang="fr-FR" sz="1200" b="0" i="0" kern="1200" dirty="0" err="1" smtClean="0">
+                <a:solidFill>
+                  <a:schemeClr val="tx1"/>
+                </a:solidFill>
+                <a:effectLst/>
+                <a:latin typeface="+mn-lt"/>
+                <a:ea typeface="+mn-ea"/>
+                <a:cs typeface="+mn-cs"/>
+              </a:rPr>
+              <a:t>FNs</a:t>
+            </a:r>
+            <a:r>
+              <a:rPr lang="fr-FR" sz="1200" b="0" i="0" kern="1200" dirty="0" smtClean="0">
+                <a:solidFill>
+                  <a:schemeClr val="tx1"/>
+                </a:solidFill>
+                <a:effectLst/>
+                <a:latin typeface="+mn-lt"/>
+                <a:ea typeface="+mn-ea"/>
+                <a:cs typeface="+mn-cs"/>
+              </a:rPr>
+              <a:t>).</a:t>
+            </a:r>
+            <a:r>
+              <a:rPr lang="fr-FR" dirty="0" smtClean="0"/>
+              <a:t/>
+            </a:r>
+            <a:br>
+              <a:rPr lang="fr-FR" dirty="0" smtClean="0"/>
+            </a:br>
+            <a:r>
+              <a:rPr lang="fr-FR" sz="1200" b="0" i="0" kern="1200" dirty="0" smtClean="0">
+                <a:solidFill>
+                  <a:schemeClr val="tx1"/>
+                </a:solidFill>
+                <a:effectLst/>
+                <a:latin typeface="+mn-lt"/>
+                <a:ea typeface="+mn-ea"/>
+                <a:cs typeface="+mn-cs"/>
+              </a:rPr>
+              <a:t>(iii) le taux de Faux positifs, c.-à-d. la proportion des emails légitimes qui sont</a:t>
+            </a:r>
+            <a:r>
+              <a:rPr lang="fr-FR" sz="1200" b="0" i="0" kern="1200" baseline="0" dirty="0" smtClean="0">
+                <a:solidFill>
+                  <a:schemeClr val="tx1"/>
+                </a:solidFill>
+                <a:effectLst/>
+                <a:latin typeface="+mn-lt"/>
+                <a:ea typeface="+mn-ea"/>
+                <a:cs typeface="+mn-cs"/>
+              </a:rPr>
+              <a:t> noté comme </a:t>
+            </a:r>
+            <a:r>
+              <a:rPr lang="fr-FR" sz="1200" b="0" i="0" kern="1200" dirty="0" smtClean="0">
+                <a:solidFill>
+                  <a:schemeClr val="tx1"/>
+                </a:solidFill>
+                <a:effectLst/>
+                <a:latin typeface="+mn-lt"/>
+                <a:ea typeface="+mn-ea"/>
+                <a:cs typeface="+mn-cs"/>
+              </a:rPr>
+              <a:t>Spam (%</a:t>
+            </a:r>
+            <a:r>
+              <a:rPr lang="fr-FR" sz="1200" b="0" i="0" kern="1200" dirty="0" err="1" smtClean="0">
+                <a:solidFill>
+                  <a:schemeClr val="tx1"/>
+                </a:solidFill>
+                <a:effectLst/>
+                <a:latin typeface="+mn-lt"/>
+                <a:ea typeface="+mn-ea"/>
+                <a:cs typeface="+mn-cs"/>
+              </a:rPr>
+              <a:t>FPs</a:t>
+            </a:r>
+            <a:r>
+              <a:rPr lang="fr-FR" sz="1200" b="0" i="0" kern="1200" dirty="0" smtClean="0">
+                <a:solidFill>
+                  <a:schemeClr val="tx1"/>
+                </a:solidFill>
+                <a:effectLst/>
+                <a:latin typeface="+mn-lt"/>
+                <a:ea typeface="+mn-ea"/>
+                <a:cs typeface="+mn-cs"/>
+              </a:rPr>
+              <a:t>).</a:t>
+            </a:r>
+          </a:p>
+          <a:p>
+            <a:r>
+              <a:rPr lang="fr-FR" dirty="0" smtClean="0"/>
+              <a:t/>
+            </a:r>
+            <a:br>
+              <a:rPr lang="fr-FR" dirty="0" smtClean="0"/>
+            </a:br>
+            <a:r>
+              <a:rPr lang="fr-FR" dirty="0" smtClean="0"/>
+              <a:t>(</a:t>
+            </a:r>
+            <a:r>
+              <a:rPr lang="fr-FR" sz="1200" b="0" i="0" kern="1200" dirty="0" smtClean="0">
+                <a:solidFill>
+                  <a:schemeClr val="tx1"/>
+                </a:solidFill>
+                <a:effectLst/>
+                <a:latin typeface="+mn-lt"/>
+                <a:ea typeface="+mn-ea"/>
+                <a:cs typeface="+mn-cs"/>
+              </a:rPr>
+              <a:t>Nous</a:t>
+            </a:r>
+            <a:r>
+              <a:rPr lang="fr-FR" sz="1200" b="0" i="0" kern="1200" dirty="0" smtClean="0">
+                <a:solidFill>
+                  <a:schemeClr val="tx1"/>
+                </a:solidFill>
+                <a:effectLst/>
+                <a:latin typeface="+mn-lt"/>
+                <a:ea typeface="+mn-ea"/>
+                <a:cs typeface="+mn-cs"/>
+              </a:rPr>
+              <a:t> comparons la performance des classificateurs en calculant le niveau de confiance utilisant l'essai de </a:t>
+            </a:r>
+            <a:r>
+              <a:rPr lang="fr-FR" sz="1200" b="0" i="0" kern="1200" dirty="0" err="1" smtClean="0">
+                <a:solidFill>
+                  <a:schemeClr val="tx1"/>
+                </a:solidFill>
+                <a:effectLst/>
+                <a:latin typeface="+mn-lt"/>
+                <a:ea typeface="+mn-ea"/>
+                <a:cs typeface="+mn-cs"/>
+              </a:rPr>
+              <a:t>McNemar</a:t>
+            </a:r>
+            <a:r>
+              <a:rPr lang="fr-FR" sz="1200" b="0" i="0" kern="1200" dirty="0" smtClean="0">
+                <a:solidFill>
+                  <a:schemeClr val="tx1"/>
+                </a:solidFill>
+                <a:effectLst/>
+                <a:latin typeface="+mn-lt"/>
+                <a:ea typeface="+mn-ea"/>
+                <a:cs typeface="+mn-cs"/>
+              </a:rPr>
+              <a:t>.)</a:t>
+            </a:r>
+            <a:endParaRPr lang="fr-FR" sz="1200" b="0" i="0" kern="1200" dirty="0" smtClean="0">
+              <a:solidFill>
+                <a:schemeClr val="tx1"/>
+              </a:solidFill>
+              <a:effectLst/>
+              <a:latin typeface="+mn-lt"/>
+              <a:ea typeface="+mn-ea"/>
+              <a:cs typeface="+mn-cs"/>
+            </a:endParaRPr>
+          </a:p>
+          <a:p>
+            <a:r>
+              <a:rPr lang="fr-FR" dirty="0" smtClean="0"/>
+              <a:t/>
+            </a:r>
+            <a:br>
+              <a:rPr lang="fr-FR" dirty="0" smtClean="0"/>
+            </a:br>
             <a:endParaRPr lang="fr-FR" dirty="0"/>
           </a:p>
         </p:txBody>
@@ -1526,7 +2992,692 @@
               <a:rPr lang="fr-FR" dirty="0" smtClean="0"/>
               <a:t>MAX</a:t>
             </a:r>
-            <a:endParaRPr lang="fr-FR" dirty="0"/>
+          </a:p>
+          <a:p>
+            <a:r>
+              <a:rPr lang="fr-FR" sz="1200" b="0" i="0" kern="1200" dirty="0" smtClean="0">
+                <a:solidFill>
+                  <a:schemeClr val="tx1"/>
+                </a:solidFill>
+                <a:effectLst/>
+                <a:latin typeface="+mn-lt"/>
+                <a:ea typeface="+mn-ea"/>
+                <a:cs typeface="+mn-cs"/>
+              </a:rPr>
+              <a:t>Une des limites de l'approche basée sur la compression est le temps qu’elle prend pour classer</a:t>
+            </a:r>
+            <a:r>
+              <a:rPr lang="fr-FR" dirty="0" smtClean="0"/>
+              <a:t/>
+            </a:r>
+            <a:br>
+              <a:rPr lang="fr-FR" dirty="0" smtClean="0"/>
+            </a:br>
+            <a:r>
+              <a:rPr lang="fr-FR" sz="1200" b="0" i="0" kern="1200" dirty="0" smtClean="0">
+                <a:solidFill>
+                  <a:schemeClr val="tx1"/>
+                </a:solidFill>
+                <a:effectLst/>
+                <a:latin typeface="+mn-lt"/>
+                <a:ea typeface="+mn-ea"/>
+                <a:cs typeface="+mn-cs"/>
+              </a:rPr>
+              <a:t>un email. </a:t>
+            </a:r>
+          </a:p>
+          <a:p>
+            <a:endParaRPr lang="fr-FR" sz="1200" b="0" i="0" kern="1200" dirty="0" smtClean="0">
+              <a:solidFill>
+                <a:schemeClr val="tx1"/>
+              </a:solidFill>
+              <a:effectLst/>
+              <a:latin typeface="+mn-lt"/>
+              <a:ea typeface="+mn-ea"/>
+              <a:cs typeface="+mn-cs"/>
+            </a:endParaRPr>
+          </a:p>
+          <a:p>
+            <a:r>
+              <a:rPr lang="fr-FR" sz="1200" b="0" i="0" kern="1200" dirty="0" smtClean="0">
+                <a:solidFill>
+                  <a:schemeClr val="tx1"/>
+                </a:solidFill>
+                <a:effectLst/>
+                <a:latin typeface="+mn-lt"/>
+                <a:ea typeface="+mn-ea"/>
+                <a:cs typeface="+mn-cs"/>
+              </a:rPr>
+              <a:t>Le tableau 1 montre le temps mit pour classer un email</a:t>
+            </a:r>
+            <a:r>
+              <a:rPr lang="fr-FR" sz="1200" b="0" i="0" kern="1200" baseline="0" dirty="0" smtClean="0">
+                <a:solidFill>
+                  <a:schemeClr val="tx1"/>
+                </a:solidFill>
+                <a:effectLst/>
+                <a:latin typeface="+mn-lt"/>
+                <a:ea typeface="+mn-ea"/>
+                <a:cs typeface="+mn-cs"/>
+              </a:rPr>
+              <a:t> (en</a:t>
+            </a:r>
+            <a:r>
+              <a:rPr lang="fr-FR" sz="1200" b="0" i="0" kern="1200" dirty="0" smtClean="0">
+                <a:solidFill>
+                  <a:schemeClr val="tx1"/>
+                </a:solidFill>
+                <a:effectLst/>
+                <a:latin typeface="+mn-lt"/>
+                <a:ea typeface="+mn-ea"/>
+                <a:cs typeface="+mn-cs"/>
+              </a:rPr>
+              <a:t> secondes) utilisant</a:t>
+            </a:r>
+            <a:r>
+              <a:rPr lang="fr-FR" sz="1200" b="0" i="0" kern="1200" baseline="0" dirty="0" smtClean="0">
+                <a:solidFill>
+                  <a:schemeClr val="tx1"/>
+                </a:solidFill>
+                <a:effectLst/>
+                <a:latin typeface="+mn-lt"/>
+                <a:ea typeface="+mn-ea"/>
+                <a:cs typeface="+mn-cs"/>
+              </a:rPr>
+              <a:t> </a:t>
+            </a:r>
+            <a:r>
+              <a:rPr lang="fr-FR" sz="1200" b="0" i="0" kern="1200" dirty="0" smtClean="0">
+                <a:solidFill>
+                  <a:schemeClr val="tx1"/>
+                </a:solidFill>
+                <a:effectLst/>
+                <a:latin typeface="+mn-lt"/>
+                <a:ea typeface="+mn-ea"/>
+                <a:cs typeface="+mn-cs"/>
+              </a:rPr>
+              <a:t>approches basées sur caractéristique et </a:t>
+            </a:r>
+            <a:r>
+              <a:rPr lang="fr-FR" sz="1200" b="0" i="0" kern="1200" dirty="0" err="1" smtClean="0">
+                <a:solidFill>
+                  <a:schemeClr val="tx1"/>
+                </a:solidFill>
+                <a:effectLst/>
+                <a:latin typeface="+mn-lt"/>
+                <a:ea typeface="+mn-ea"/>
+                <a:cs typeface="+mn-cs"/>
+              </a:rPr>
+              <a:t>feature</a:t>
+            </a:r>
+            <a:r>
+              <a:rPr lang="fr-FR" sz="1200" b="0" i="0" kern="1200" dirty="0" smtClean="0">
+                <a:solidFill>
+                  <a:schemeClr val="tx1"/>
+                </a:solidFill>
+                <a:effectLst/>
+                <a:latin typeface="+mn-lt"/>
+                <a:ea typeface="+mn-ea"/>
+                <a:cs typeface="+mn-cs"/>
+              </a:rPr>
+              <a:t>-free pour 1000 cas. Le temps pour classer un email simple utilisant CDM est, au mieux, 180 fois plus lent qu‘en employant</a:t>
+            </a:r>
+            <a:r>
+              <a:rPr lang="fr-FR" sz="1200" b="0" i="0" kern="1200" baseline="0" dirty="0" smtClean="0">
+                <a:solidFill>
+                  <a:schemeClr val="tx1"/>
+                </a:solidFill>
+                <a:effectLst/>
+                <a:latin typeface="+mn-lt"/>
+                <a:ea typeface="+mn-ea"/>
+                <a:cs typeface="+mn-cs"/>
+              </a:rPr>
+              <a:t> </a:t>
+            </a:r>
+            <a:r>
+              <a:rPr lang="fr-FR" sz="1200" b="0" i="0" kern="1200" dirty="0" smtClean="0">
+                <a:solidFill>
+                  <a:schemeClr val="tx1"/>
+                </a:solidFill>
+                <a:effectLst/>
+                <a:latin typeface="+mn-lt"/>
+                <a:ea typeface="+mn-ea"/>
+                <a:cs typeface="+mn-cs"/>
+              </a:rPr>
+              <a:t>la similitude basée sur caractéristique. </a:t>
+            </a:r>
+          </a:p>
+          <a:p>
+            <a:endParaRPr lang="fr-FR" sz="1200" b="0" i="0" kern="1200" dirty="0" smtClean="0">
+              <a:solidFill>
+                <a:schemeClr val="tx1"/>
+              </a:solidFill>
+              <a:effectLst/>
+              <a:latin typeface="+mn-lt"/>
+              <a:ea typeface="+mn-ea"/>
+              <a:cs typeface="+mn-cs"/>
+            </a:endParaRPr>
+          </a:p>
+          <a:p>
+            <a:r>
+              <a:rPr lang="fr-FR" sz="1200" b="0" i="0" kern="1200" dirty="0" smtClean="0">
+                <a:solidFill>
+                  <a:schemeClr val="tx1"/>
+                </a:solidFill>
+                <a:effectLst/>
+                <a:latin typeface="+mn-lt"/>
+                <a:ea typeface="+mn-ea"/>
+                <a:cs typeface="+mn-cs"/>
+              </a:rPr>
+              <a:t>L'algorithme de compression est beaucoup</a:t>
+            </a:r>
+            <a:r>
+              <a:rPr lang="fr-FR" sz="1200" b="0" i="0" kern="1200" baseline="0" dirty="0" smtClean="0">
+                <a:solidFill>
+                  <a:schemeClr val="tx1"/>
+                </a:solidFill>
+                <a:effectLst/>
+                <a:latin typeface="+mn-lt"/>
+                <a:ea typeface="+mn-ea"/>
+                <a:cs typeface="+mn-cs"/>
+              </a:rPr>
+              <a:t> </a:t>
+            </a:r>
+            <a:r>
+              <a:rPr lang="fr-FR" sz="1200" b="0" i="0" kern="1200" dirty="0" smtClean="0">
+                <a:solidFill>
+                  <a:schemeClr val="tx1"/>
+                </a:solidFill>
+                <a:effectLst/>
+                <a:latin typeface="+mn-lt"/>
+                <a:ea typeface="+mn-ea"/>
+                <a:cs typeface="+mn-cs"/>
+              </a:rPr>
+              <a:t>plus couteux en temps qu’en</a:t>
+            </a:r>
+            <a:r>
+              <a:rPr lang="fr-FR" sz="1200" b="0" i="0" kern="1200" baseline="0" dirty="0" smtClean="0">
+                <a:solidFill>
+                  <a:schemeClr val="tx1"/>
+                </a:solidFill>
+                <a:effectLst/>
+                <a:latin typeface="+mn-lt"/>
+                <a:ea typeface="+mn-ea"/>
+                <a:cs typeface="+mn-cs"/>
+              </a:rPr>
+              <a:t> </a:t>
+            </a:r>
+            <a:r>
+              <a:rPr lang="fr-FR" sz="1200" b="0" i="0" kern="1200" dirty="0" smtClean="0">
+                <a:solidFill>
+                  <a:schemeClr val="tx1"/>
+                </a:solidFill>
+                <a:effectLst/>
+                <a:latin typeface="+mn-lt"/>
+                <a:ea typeface="+mn-ea"/>
+                <a:cs typeface="+mn-cs"/>
+              </a:rPr>
+              <a:t>comparant les  caractéristiques des emails. </a:t>
+            </a:r>
+          </a:p>
+          <a:p>
+            <a:r>
+              <a:rPr lang="fr-FR" sz="1200" b="0" i="0" kern="1200" dirty="0" smtClean="0">
+                <a:solidFill>
+                  <a:schemeClr val="tx1"/>
+                </a:solidFill>
+                <a:effectLst/>
+                <a:latin typeface="+mn-lt"/>
+                <a:ea typeface="+mn-ea"/>
+                <a:cs typeface="+mn-cs"/>
+              </a:rPr>
+              <a:t>En outre, la similarité par</a:t>
+            </a:r>
+            <a:r>
+              <a:rPr lang="fr-FR" sz="1200" b="0" i="0" kern="1200" baseline="0" dirty="0" smtClean="0">
+                <a:solidFill>
+                  <a:schemeClr val="tx1"/>
+                </a:solidFill>
+                <a:effectLst/>
+                <a:latin typeface="+mn-lt"/>
+                <a:ea typeface="+mn-ea"/>
+                <a:cs typeface="+mn-cs"/>
+              </a:rPr>
+              <a:t> </a:t>
+            </a:r>
+            <a:r>
+              <a:rPr lang="fr-FR" sz="1200" b="0" i="0" kern="1200" dirty="0" smtClean="0">
+                <a:solidFill>
+                  <a:schemeClr val="tx1"/>
+                </a:solidFill>
+                <a:effectLst/>
+                <a:latin typeface="+mn-lt"/>
+                <a:ea typeface="+mn-ea"/>
+                <a:cs typeface="+mn-cs"/>
+              </a:rPr>
+              <a:t>compression</a:t>
+            </a:r>
+            <a:r>
+              <a:rPr lang="fr-FR" sz="1200" b="0" i="0" kern="1200" baseline="0" dirty="0" smtClean="0">
+                <a:solidFill>
+                  <a:schemeClr val="tx1"/>
+                </a:solidFill>
+                <a:effectLst/>
+                <a:latin typeface="+mn-lt"/>
+                <a:ea typeface="+mn-ea"/>
+                <a:cs typeface="+mn-cs"/>
+              </a:rPr>
+              <a:t> </a:t>
+            </a:r>
+            <a:r>
+              <a:rPr lang="fr-FR" sz="1200" b="0" i="0" kern="1200" dirty="0" smtClean="0">
+                <a:solidFill>
+                  <a:schemeClr val="tx1"/>
+                </a:solidFill>
+                <a:effectLst/>
+                <a:latin typeface="+mn-lt"/>
+                <a:ea typeface="+mn-ea"/>
+                <a:cs typeface="+mn-cs"/>
+              </a:rPr>
+              <a:t>exige que</a:t>
+            </a:r>
+            <a:r>
+              <a:rPr lang="fr-FR" sz="1200" b="0" i="0" kern="1200" baseline="0" dirty="0" smtClean="0">
+                <a:solidFill>
+                  <a:schemeClr val="tx1"/>
+                </a:solidFill>
+                <a:effectLst/>
+                <a:latin typeface="+mn-lt"/>
+                <a:ea typeface="+mn-ea"/>
+                <a:cs typeface="+mn-cs"/>
+              </a:rPr>
+              <a:t> le</a:t>
+            </a:r>
+            <a:r>
+              <a:rPr lang="fr-FR" sz="1200" b="0" i="0" kern="1200" dirty="0" smtClean="0">
+                <a:solidFill>
+                  <a:schemeClr val="tx1"/>
+                </a:solidFill>
+                <a:effectLst/>
+                <a:latin typeface="+mn-lt"/>
+                <a:ea typeface="+mn-ea"/>
+                <a:cs typeface="+mn-cs"/>
+              </a:rPr>
+              <a:t> cas  cible soit comparé</a:t>
+            </a:r>
+            <a:r>
+              <a:rPr lang="fr-FR" sz="1200" b="0" i="0" kern="1200" baseline="0" dirty="0" smtClean="0">
+                <a:solidFill>
+                  <a:schemeClr val="tx1"/>
+                </a:solidFill>
+                <a:effectLst/>
+                <a:latin typeface="+mn-lt"/>
+                <a:ea typeface="+mn-ea"/>
+                <a:cs typeface="+mn-cs"/>
+              </a:rPr>
+              <a:t> </a:t>
+            </a:r>
+            <a:r>
+              <a:rPr lang="fr-FR" sz="1200" b="0" i="0" kern="1200" dirty="0" smtClean="0">
+                <a:solidFill>
+                  <a:schemeClr val="tx1"/>
+                </a:solidFill>
+                <a:effectLst/>
+                <a:latin typeface="+mn-lt"/>
+                <a:ea typeface="+mn-ea"/>
+                <a:cs typeface="+mn-cs"/>
+              </a:rPr>
+              <a:t>à</a:t>
+            </a:r>
+            <a:r>
+              <a:rPr lang="fr-FR" sz="1200" b="0" i="0" kern="1200" baseline="0" dirty="0" smtClean="0">
+                <a:solidFill>
+                  <a:schemeClr val="tx1"/>
+                </a:solidFill>
+                <a:effectLst/>
+                <a:latin typeface="+mn-lt"/>
+                <a:ea typeface="+mn-ea"/>
+                <a:cs typeface="+mn-cs"/>
+              </a:rPr>
+              <a:t> </a:t>
+            </a:r>
+            <a:r>
+              <a:rPr lang="fr-FR" sz="1200" b="0" i="0" kern="1200" dirty="0" smtClean="0">
+                <a:solidFill>
+                  <a:schemeClr val="tx1"/>
+                </a:solidFill>
+                <a:effectLst/>
+                <a:latin typeface="+mn-lt"/>
+                <a:ea typeface="+mn-ea"/>
+                <a:cs typeface="+mn-cs"/>
+              </a:rPr>
+              <a:t>chaque cas ce qui n'est pas toujours nécessaire dans la similitude basée sur les caractéristique.</a:t>
+            </a:r>
+          </a:p>
+          <a:p>
+            <a:r>
+              <a:rPr lang="fr-FR" sz="1200" b="0" i="0" kern="1200" dirty="0" smtClean="0">
+                <a:solidFill>
+                  <a:schemeClr val="tx1"/>
+                </a:solidFill>
+                <a:effectLst/>
+                <a:latin typeface="+mn-lt"/>
+                <a:ea typeface="+mn-ea"/>
+                <a:cs typeface="+mn-cs"/>
+              </a:rPr>
+              <a:t>(si, par exemple, un filet de récupération de cas est employé.)</a:t>
+            </a:r>
+          </a:p>
+          <a:p>
+            <a:r>
+              <a:rPr lang="fr-FR" dirty="0" smtClean="0"/>
+              <a:t/>
+            </a:r>
+            <a:br>
+              <a:rPr lang="fr-FR" dirty="0" smtClean="0"/>
+            </a:br>
+            <a:r>
+              <a:rPr lang="fr-FR" dirty="0" smtClean="0"/>
+              <a:t>L’</a:t>
+            </a:r>
+            <a:r>
+              <a:rPr lang="fr-FR" sz="1200" b="0" i="0" kern="1200" dirty="0" smtClean="0">
+                <a:solidFill>
+                  <a:schemeClr val="tx1"/>
+                </a:solidFill>
+                <a:effectLst/>
+                <a:latin typeface="+mn-lt"/>
+                <a:ea typeface="+mn-ea"/>
+                <a:cs typeface="+mn-cs"/>
+              </a:rPr>
+              <a:t>utilisation du CDM avec </a:t>
+            </a:r>
+            <a:r>
+              <a:rPr lang="fr-FR" sz="1200" b="0" i="0" kern="1200" dirty="0" err="1" smtClean="0">
+                <a:solidFill>
+                  <a:schemeClr val="tx1"/>
+                </a:solidFill>
+                <a:effectLst/>
+                <a:latin typeface="+mn-lt"/>
+                <a:ea typeface="+mn-ea"/>
+                <a:cs typeface="+mn-cs"/>
+              </a:rPr>
+              <a:t>GZip</a:t>
+            </a:r>
+            <a:r>
+              <a:rPr lang="fr-FR" sz="1200" b="0" i="0" kern="1200" dirty="0" smtClean="0">
+                <a:solidFill>
+                  <a:schemeClr val="tx1"/>
+                </a:solidFill>
+                <a:effectLst/>
+                <a:latin typeface="+mn-lt"/>
+                <a:ea typeface="+mn-ea"/>
+                <a:cs typeface="+mn-cs"/>
+              </a:rPr>
+              <a:t> fonctionne significativement mieux en termes de temps d’exécution que le CDM avec la PPM. </a:t>
+            </a:r>
+          </a:p>
+          <a:p>
+            <a:r>
+              <a:rPr lang="fr-FR" dirty="0" smtClean="0"/>
+              <a:t>L’</a:t>
+            </a:r>
+            <a:r>
+              <a:rPr lang="fr-FR" sz="1200" b="0" i="0" kern="1200" dirty="0" smtClean="0">
+                <a:solidFill>
+                  <a:schemeClr val="tx1"/>
+                </a:solidFill>
+                <a:effectLst/>
+                <a:latin typeface="+mn-lt"/>
+                <a:ea typeface="+mn-ea"/>
+                <a:cs typeface="+mn-cs"/>
+              </a:rPr>
+              <a:t>utilisation du CDM avec </a:t>
+            </a:r>
+            <a:r>
+              <a:rPr lang="fr-FR" sz="1200" b="0" i="0" kern="1200" dirty="0" err="1" smtClean="0">
+                <a:solidFill>
+                  <a:schemeClr val="tx1"/>
+                </a:solidFill>
+                <a:effectLst/>
+                <a:latin typeface="+mn-lt"/>
+                <a:ea typeface="+mn-ea"/>
+                <a:cs typeface="+mn-cs"/>
+              </a:rPr>
+              <a:t>Gzip</a:t>
+            </a:r>
+            <a:r>
+              <a:rPr lang="fr-FR" sz="1200" b="0" i="0" kern="1200" dirty="0" smtClean="0">
+                <a:solidFill>
+                  <a:schemeClr val="tx1"/>
+                </a:solidFill>
+                <a:effectLst/>
+                <a:latin typeface="+mn-lt"/>
+                <a:ea typeface="+mn-ea"/>
+                <a:cs typeface="+mn-cs"/>
+              </a:rPr>
+              <a:t> peut être rendu légèrement plus rapide en modifiant</a:t>
+            </a:r>
+            <a:r>
+              <a:rPr lang="fr-FR" sz="1200" b="0" i="0" kern="1200" baseline="0" dirty="0" smtClean="0">
+                <a:solidFill>
+                  <a:schemeClr val="tx1"/>
+                </a:solidFill>
+                <a:effectLst/>
+                <a:latin typeface="+mn-lt"/>
+                <a:ea typeface="+mn-ea"/>
+                <a:cs typeface="+mn-cs"/>
+              </a:rPr>
+              <a:t> </a:t>
+            </a:r>
+            <a:r>
+              <a:rPr lang="fr-FR" sz="1200" b="0" i="0" kern="1200" dirty="0" smtClean="0">
+                <a:solidFill>
+                  <a:schemeClr val="tx1"/>
+                </a:solidFill>
+                <a:effectLst/>
+                <a:latin typeface="+mn-lt"/>
+                <a:ea typeface="+mn-ea"/>
+                <a:cs typeface="+mn-cs"/>
+              </a:rPr>
+              <a:t>la</a:t>
+            </a:r>
+            <a:r>
+              <a:rPr lang="fr-FR" sz="1200" b="0" i="0" kern="1200" baseline="0" dirty="0" smtClean="0">
+                <a:solidFill>
+                  <a:schemeClr val="tx1"/>
+                </a:solidFill>
+                <a:effectLst/>
+                <a:latin typeface="+mn-lt"/>
+                <a:ea typeface="+mn-ea"/>
+                <a:cs typeface="+mn-cs"/>
+              </a:rPr>
+              <a:t> </a:t>
+            </a:r>
+            <a:r>
+              <a:rPr lang="fr-FR" sz="1200" b="0" i="0" kern="1200" dirty="0" smtClean="0">
+                <a:solidFill>
+                  <a:schemeClr val="tx1"/>
+                </a:solidFill>
+                <a:effectLst/>
+                <a:latin typeface="+mn-lt"/>
+                <a:ea typeface="+mn-ea"/>
+                <a:cs typeface="+mn-cs"/>
+              </a:rPr>
+              <a:t>longueur</a:t>
+            </a:r>
+            <a:r>
+              <a:rPr lang="fr-FR" sz="1200" b="0" i="0" kern="1200" baseline="0" dirty="0" smtClean="0">
+                <a:solidFill>
+                  <a:schemeClr val="tx1"/>
+                </a:solidFill>
+                <a:effectLst/>
+                <a:latin typeface="+mn-lt"/>
+                <a:ea typeface="+mn-ea"/>
+                <a:cs typeface="+mn-cs"/>
+              </a:rPr>
+              <a:t> </a:t>
+            </a:r>
+            <a:r>
+              <a:rPr lang="fr-FR" sz="1200" b="0" i="0" kern="1200" dirty="0" smtClean="0">
+                <a:solidFill>
+                  <a:schemeClr val="tx1"/>
+                </a:solidFill>
+                <a:effectLst/>
+                <a:latin typeface="+mn-lt"/>
+                <a:ea typeface="+mn-ea"/>
+                <a:cs typeface="+mn-cs"/>
+              </a:rPr>
+              <a:t>des fichier d'email pour prendre en considération le fait que l'algorithme </a:t>
+            </a:r>
+            <a:r>
+              <a:rPr lang="fr-FR" sz="1200" b="0" i="0" kern="1200" dirty="0" err="1" smtClean="0">
+                <a:solidFill>
+                  <a:schemeClr val="tx1"/>
+                </a:solidFill>
+                <a:effectLst/>
+                <a:latin typeface="+mn-lt"/>
+                <a:ea typeface="+mn-ea"/>
+                <a:cs typeface="+mn-cs"/>
+              </a:rPr>
+              <a:t>Gzip</a:t>
+            </a:r>
+            <a:r>
+              <a:rPr lang="fr-FR" sz="1200" b="0" i="0" kern="1200" dirty="0" smtClean="0">
+                <a:solidFill>
+                  <a:schemeClr val="tx1"/>
+                </a:solidFill>
+                <a:effectLst/>
+                <a:latin typeface="+mn-lt"/>
+                <a:ea typeface="+mn-ea"/>
+                <a:cs typeface="+mn-cs"/>
+              </a:rPr>
+              <a:t> emploie une taille de fenêtre de glissement de 32 K bytes. Tronquer les fichiers d'email à 16 K bytes chacun avant</a:t>
+            </a:r>
+            <a:r>
+              <a:rPr lang="fr-FR" sz="1200" b="0" i="0" kern="1200" baseline="0" dirty="0" smtClean="0">
+                <a:solidFill>
+                  <a:schemeClr val="tx1"/>
+                </a:solidFill>
+                <a:effectLst/>
+                <a:latin typeface="+mn-lt"/>
+                <a:ea typeface="+mn-ea"/>
+                <a:cs typeface="+mn-cs"/>
+              </a:rPr>
+              <a:t> </a:t>
+            </a:r>
+            <a:r>
+              <a:rPr lang="fr-FR" sz="1200" b="0" i="0" kern="1200" dirty="0" smtClean="0">
+                <a:solidFill>
+                  <a:schemeClr val="tx1"/>
+                </a:solidFill>
+                <a:effectLst/>
+                <a:latin typeface="+mn-lt"/>
+                <a:ea typeface="+mn-ea"/>
+                <a:cs typeface="+mn-cs"/>
+              </a:rPr>
+              <a:t>de calculer le CDM augmente vitesse de 9,5% à 25% sur les ensembles de données évalués. </a:t>
+            </a:r>
+          </a:p>
+          <a:p>
+            <a:r>
+              <a:rPr lang="fr-FR" sz="1200" b="0" i="0" kern="1200" dirty="0" smtClean="0">
+                <a:solidFill>
+                  <a:schemeClr val="tx1"/>
+                </a:solidFill>
+                <a:effectLst/>
+                <a:latin typeface="+mn-lt"/>
+                <a:ea typeface="+mn-ea"/>
+                <a:cs typeface="+mn-cs"/>
+              </a:rPr>
+              <a:t>Les</a:t>
+            </a:r>
+            <a:r>
+              <a:rPr lang="fr-FR" sz="1200" b="0" i="0" kern="1200" baseline="0" dirty="0" smtClean="0">
+                <a:solidFill>
+                  <a:schemeClr val="tx1"/>
+                </a:solidFill>
+                <a:effectLst/>
+                <a:latin typeface="+mn-lt"/>
+                <a:ea typeface="+mn-ea"/>
+                <a:cs typeface="+mn-cs"/>
+              </a:rPr>
+              <a:t> cas </a:t>
+            </a:r>
+            <a:r>
+              <a:rPr lang="fr-FR" sz="1200" b="0" i="0" kern="1200" dirty="0" smtClean="0">
+                <a:solidFill>
+                  <a:schemeClr val="tx1"/>
+                </a:solidFill>
+                <a:effectLst/>
+                <a:latin typeface="+mn-lt"/>
+                <a:ea typeface="+mn-ea"/>
+                <a:cs typeface="+mn-cs"/>
+              </a:rPr>
+              <a:t>CDM-</a:t>
+            </a:r>
+            <a:r>
+              <a:rPr lang="fr-FR" sz="1200" b="0" i="0" kern="1200" dirty="0" err="1" smtClean="0">
+                <a:solidFill>
+                  <a:schemeClr val="tx1"/>
+                </a:solidFill>
+                <a:effectLst/>
+                <a:latin typeface="+mn-lt"/>
+                <a:ea typeface="+mn-ea"/>
+                <a:cs typeface="+mn-cs"/>
+              </a:rPr>
+              <a:t>GZip</a:t>
+            </a:r>
+            <a:r>
+              <a:rPr lang="fr-FR" sz="1200" b="0" i="0" kern="1200" dirty="0" smtClean="0">
+                <a:solidFill>
+                  <a:schemeClr val="tx1"/>
+                </a:solidFill>
+                <a:effectLst/>
+                <a:latin typeface="+mn-lt"/>
+                <a:ea typeface="+mn-ea"/>
+                <a:cs typeface="+mn-cs"/>
+              </a:rPr>
+              <a:t> dans le tableau 1 incluent cette accélération. </a:t>
+            </a:r>
+          </a:p>
+          <a:p>
+            <a:r>
+              <a:rPr lang="fr-FR" sz="1200" b="0" i="0" kern="1200" dirty="0" smtClean="0">
+                <a:solidFill>
+                  <a:schemeClr val="tx1"/>
+                </a:solidFill>
+                <a:effectLst/>
+                <a:latin typeface="+mn-lt"/>
+                <a:ea typeface="+mn-ea"/>
+                <a:cs typeface="+mn-cs"/>
+              </a:rPr>
+              <a:t>Nous avons constaté que la troncation des fichiers d'email n'a pas de vrai effets sur les résultats des</a:t>
+            </a:r>
+            <a:r>
+              <a:rPr lang="fr-FR" sz="1200" b="0" i="0" kern="1200" baseline="0" dirty="0" smtClean="0">
+                <a:solidFill>
+                  <a:schemeClr val="tx1"/>
+                </a:solidFill>
+                <a:effectLst/>
+                <a:latin typeface="+mn-lt"/>
+                <a:ea typeface="+mn-ea"/>
+                <a:cs typeface="+mn-cs"/>
+              </a:rPr>
+              <a:t> </a:t>
+            </a:r>
+            <a:r>
+              <a:rPr lang="fr-FR" sz="1200" b="0" i="0" kern="1200" dirty="0" smtClean="0">
+                <a:solidFill>
+                  <a:schemeClr val="tx1"/>
+                </a:solidFill>
+                <a:effectLst/>
+                <a:latin typeface="+mn-lt"/>
+                <a:ea typeface="+mn-ea"/>
+                <a:cs typeface="+mn-cs"/>
+              </a:rPr>
+              <a:t>erreurs de classification. </a:t>
+            </a:r>
           </a:p>
         </p:txBody>
       </p:sp>
@@ -1747,7 +3898,7 @@
           <a:p>
             <a:fld id="{E2D812B1-5886-46C5-9019-6FE4943F7F28}" type="datetimeFigureOut">
               <a:rPr lang="fr-FR" smtClean="0"/>
-              <a:t>07/10/2014</a:t>
+              <a:t>08/10/2014</a:t>
             </a:fld>
             <a:endParaRPr lang="fr-FR"/>
           </a:p>
@@ -1798,7 +3949,7 @@
     </p:spTree>
     <p:extLst>
       <p:ext uri="{BB962C8B-B14F-4D97-AF65-F5344CB8AC3E}">
-        <p14:creationId xmlns:p14="http://schemas.microsoft.com/office/powerpoint/2010/main" val="1543244846"/>
+        <p14:creationId xmlns:p14="http://schemas.microsoft.com/office/powerpoint/2010/main" val="3949346800"/>
       </p:ext>
     </p:extLst>
   </p:cSld>
@@ -1917,7 +4068,7 @@
           <a:p>
             <a:fld id="{E2D812B1-5886-46C5-9019-6FE4943F7F28}" type="datetimeFigureOut">
               <a:rPr lang="fr-FR" smtClean="0"/>
-              <a:t>07/10/2014</a:t>
+              <a:t>08/10/2014</a:t>
             </a:fld>
             <a:endParaRPr lang="fr-FR"/>
           </a:p>
@@ -1968,7 +4119,7 @@
     </p:spTree>
     <p:extLst>
       <p:ext uri="{BB962C8B-B14F-4D97-AF65-F5344CB8AC3E}">
-        <p14:creationId xmlns:p14="http://schemas.microsoft.com/office/powerpoint/2010/main" val="41564794"/>
+        <p14:creationId xmlns:p14="http://schemas.microsoft.com/office/powerpoint/2010/main" val="710619903"/>
       </p:ext>
     </p:extLst>
   </p:cSld>
@@ -2097,7 +4248,7 @@
           <a:p>
             <a:fld id="{E2D812B1-5886-46C5-9019-6FE4943F7F28}" type="datetimeFigureOut">
               <a:rPr lang="fr-FR" smtClean="0"/>
-              <a:t>07/10/2014</a:t>
+              <a:t>08/10/2014</a:t>
             </a:fld>
             <a:endParaRPr lang="fr-FR"/>
           </a:p>
@@ -2148,7 +4299,7 @@
     </p:spTree>
     <p:extLst>
       <p:ext uri="{BB962C8B-B14F-4D97-AF65-F5344CB8AC3E}">
-        <p14:creationId xmlns:p14="http://schemas.microsoft.com/office/powerpoint/2010/main" val="1878301758"/>
+        <p14:creationId xmlns:p14="http://schemas.microsoft.com/office/powerpoint/2010/main" val="154393846"/>
       </p:ext>
     </p:extLst>
   </p:cSld>
@@ -2267,7 +4418,7 @@
           <a:p>
             <a:fld id="{E2D812B1-5886-46C5-9019-6FE4943F7F28}" type="datetimeFigureOut">
               <a:rPr lang="fr-FR" smtClean="0"/>
-              <a:t>07/10/2014</a:t>
+              <a:t>08/10/2014</a:t>
             </a:fld>
             <a:endParaRPr lang="fr-FR"/>
           </a:p>
@@ -2318,7 +4469,7 @@
     </p:spTree>
     <p:extLst>
       <p:ext uri="{BB962C8B-B14F-4D97-AF65-F5344CB8AC3E}">
-        <p14:creationId xmlns:p14="http://schemas.microsoft.com/office/powerpoint/2010/main" val="1665388719"/>
+        <p14:creationId xmlns:p14="http://schemas.microsoft.com/office/powerpoint/2010/main" val="666857255"/>
       </p:ext>
     </p:extLst>
   </p:cSld>
@@ -2513,7 +4664,7 @@
           <a:p>
             <a:fld id="{E2D812B1-5886-46C5-9019-6FE4943F7F28}" type="datetimeFigureOut">
               <a:rPr lang="fr-FR" smtClean="0"/>
-              <a:t>07/10/2014</a:t>
+              <a:t>08/10/2014</a:t>
             </a:fld>
             <a:endParaRPr lang="fr-FR"/>
           </a:p>
@@ -2564,7 +4715,7 @@
     </p:spTree>
     <p:extLst>
       <p:ext uri="{BB962C8B-B14F-4D97-AF65-F5344CB8AC3E}">
-        <p14:creationId xmlns:p14="http://schemas.microsoft.com/office/powerpoint/2010/main" val="2078987962"/>
+        <p14:creationId xmlns:p14="http://schemas.microsoft.com/office/powerpoint/2010/main" val="900551790"/>
       </p:ext>
     </p:extLst>
   </p:cSld>
@@ -2801,7 +4952,7 @@
           <a:p>
             <a:fld id="{E2D812B1-5886-46C5-9019-6FE4943F7F28}" type="datetimeFigureOut">
               <a:rPr lang="fr-FR" smtClean="0"/>
-              <a:t>07/10/2014</a:t>
+              <a:t>08/10/2014</a:t>
             </a:fld>
             <a:endParaRPr lang="fr-FR"/>
           </a:p>
@@ -2852,7 +5003,7 @@
     </p:spTree>
     <p:extLst>
       <p:ext uri="{BB962C8B-B14F-4D97-AF65-F5344CB8AC3E}">
-        <p14:creationId xmlns:p14="http://schemas.microsoft.com/office/powerpoint/2010/main" val="3041246668"/>
+        <p14:creationId xmlns:p14="http://schemas.microsoft.com/office/powerpoint/2010/main" val="1523230770"/>
       </p:ext>
     </p:extLst>
   </p:cSld>
@@ -3223,7 +5374,7 @@
           <a:p>
             <a:fld id="{E2D812B1-5886-46C5-9019-6FE4943F7F28}" type="datetimeFigureOut">
               <a:rPr lang="fr-FR" smtClean="0"/>
-              <a:t>07/10/2014</a:t>
+              <a:t>08/10/2014</a:t>
             </a:fld>
             <a:endParaRPr lang="fr-FR"/>
           </a:p>
@@ -3274,7 +5425,7 @@
     </p:spTree>
     <p:extLst>
       <p:ext uri="{BB962C8B-B14F-4D97-AF65-F5344CB8AC3E}">
-        <p14:creationId xmlns:p14="http://schemas.microsoft.com/office/powerpoint/2010/main" val="2951412013"/>
+        <p14:creationId xmlns:p14="http://schemas.microsoft.com/office/powerpoint/2010/main" val="1595478629"/>
       </p:ext>
     </p:extLst>
   </p:cSld>
@@ -3341,7 +5492,7 @@
           <a:p>
             <a:fld id="{E2D812B1-5886-46C5-9019-6FE4943F7F28}" type="datetimeFigureOut">
               <a:rPr lang="fr-FR" smtClean="0"/>
-              <a:t>07/10/2014</a:t>
+              <a:t>08/10/2014</a:t>
             </a:fld>
             <a:endParaRPr lang="fr-FR"/>
           </a:p>
@@ -3392,7 +5543,7 @@
     </p:spTree>
     <p:extLst>
       <p:ext uri="{BB962C8B-B14F-4D97-AF65-F5344CB8AC3E}">
-        <p14:creationId xmlns:p14="http://schemas.microsoft.com/office/powerpoint/2010/main" val="1509301650"/>
+        <p14:creationId xmlns:p14="http://schemas.microsoft.com/office/powerpoint/2010/main" val="4099536429"/>
       </p:ext>
     </p:extLst>
   </p:cSld>
@@ -3436,7 +5587,7 @@
           <a:p>
             <a:fld id="{E2D812B1-5886-46C5-9019-6FE4943F7F28}" type="datetimeFigureOut">
               <a:rPr lang="fr-FR" smtClean="0"/>
-              <a:t>07/10/2014</a:t>
+              <a:t>08/10/2014</a:t>
             </a:fld>
             <a:endParaRPr lang="fr-FR"/>
           </a:p>
@@ -3487,7 +5638,7 @@
     </p:spTree>
     <p:extLst>
       <p:ext uri="{BB962C8B-B14F-4D97-AF65-F5344CB8AC3E}">
-        <p14:creationId xmlns:p14="http://schemas.microsoft.com/office/powerpoint/2010/main" val="1660082322"/>
+        <p14:creationId xmlns:p14="http://schemas.microsoft.com/office/powerpoint/2010/main" val="1173584591"/>
       </p:ext>
     </p:extLst>
   </p:cSld>
@@ -3713,7 +5864,7 @@
           <a:p>
             <a:fld id="{E2D812B1-5886-46C5-9019-6FE4943F7F28}" type="datetimeFigureOut">
               <a:rPr lang="fr-FR" smtClean="0"/>
-              <a:t>07/10/2014</a:t>
+              <a:t>08/10/2014</a:t>
             </a:fld>
             <a:endParaRPr lang="fr-FR"/>
           </a:p>
@@ -3764,7 +5915,7 @@
     </p:spTree>
     <p:extLst>
       <p:ext uri="{BB962C8B-B14F-4D97-AF65-F5344CB8AC3E}">
-        <p14:creationId xmlns:p14="http://schemas.microsoft.com/office/powerpoint/2010/main" val="2073912185"/>
+        <p14:creationId xmlns:p14="http://schemas.microsoft.com/office/powerpoint/2010/main" val="3353346112"/>
       </p:ext>
     </p:extLst>
   </p:cSld>
@@ -3966,7 +6117,7 @@
           <a:p>
             <a:fld id="{E2D812B1-5886-46C5-9019-6FE4943F7F28}" type="datetimeFigureOut">
               <a:rPr lang="fr-FR" smtClean="0"/>
-              <a:t>07/10/2014</a:t>
+              <a:t>08/10/2014</a:t>
             </a:fld>
             <a:endParaRPr lang="fr-FR"/>
           </a:p>
@@ -4017,7 +6168,7 @@
     </p:spTree>
     <p:extLst>
       <p:ext uri="{BB962C8B-B14F-4D97-AF65-F5344CB8AC3E}">
-        <p14:creationId xmlns:p14="http://schemas.microsoft.com/office/powerpoint/2010/main" val="2551309691"/>
+        <p14:creationId xmlns:p14="http://schemas.microsoft.com/office/powerpoint/2010/main" val="2244741962"/>
       </p:ext>
     </p:extLst>
   </p:cSld>
@@ -4179,7 +6330,7 @@
           <a:p>
             <a:fld id="{E2D812B1-5886-46C5-9019-6FE4943F7F28}" type="datetimeFigureOut">
               <a:rPr lang="fr-FR" smtClean="0"/>
-              <a:t>07/10/2014</a:t>
+              <a:t>08/10/2014</a:t>
             </a:fld>
             <a:endParaRPr lang="fr-FR"/>
           </a:p>
@@ -4266,23 +6417,23 @@
     </p:spTree>
     <p:extLst>
       <p:ext uri="{BB962C8B-B14F-4D97-AF65-F5344CB8AC3E}">
-        <p14:creationId xmlns:p14="http://schemas.microsoft.com/office/powerpoint/2010/main" val="1613476637"/>
+        <p14:creationId xmlns:p14="http://schemas.microsoft.com/office/powerpoint/2010/main" val="1082972029"/>
       </p:ext>
     </p:extLst>
   </p:cSld>
   <p:clrMap bg1="lt1" tx1="dk1" bg2="lt2" tx2="dk2" accent1="accent1" accent2="accent2" accent3="accent3" accent4="accent4" accent5="accent5" accent6="accent6" hlink="hlink" folHlink="folHlink"/>
   <p:sldLayoutIdLst>
-    <p:sldLayoutId id="2147483769" r:id="rId1"/>
-    <p:sldLayoutId id="2147483770" r:id="rId2"/>
-    <p:sldLayoutId id="2147483771" r:id="rId3"/>
-    <p:sldLayoutId id="2147483772" r:id="rId4"/>
-    <p:sldLayoutId id="2147483773" r:id="rId5"/>
-    <p:sldLayoutId id="2147483774" r:id="rId6"/>
-    <p:sldLayoutId id="2147483775" r:id="rId7"/>
-    <p:sldLayoutId id="2147483776" r:id="rId8"/>
-    <p:sldLayoutId id="2147483777" r:id="rId9"/>
-    <p:sldLayoutId id="2147483778" r:id="rId10"/>
-    <p:sldLayoutId id="2147483779" r:id="rId11"/>
+    <p:sldLayoutId id="2147483793" r:id="rId1"/>
+    <p:sldLayoutId id="2147483794" r:id="rId2"/>
+    <p:sldLayoutId id="2147483795" r:id="rId3"/>
+    <p:sldLayoutId id="2147483796" r:id="rId4"/>
+    <p:sldLayoutId id="2147483797" r:id="rId5"/>
+    <p:sldLayoutId id="2147483798" r:id="rId6"/>
+    <p:sldLayoutId id="2147483799" r:id="rId7"/>
+    <p:sldLayoutId id="2147483800" r:id="rId8"/>
+    <p:sldLayoutId id="2147483801" r:id="rId9"/>
+    <p:sldLayoutId id="2147483802" r:id="rId10"/>
+    <p:sldLayoutId id="2147483803" r:id="rId11"/>
   </p:sldLayoutIdLst>
   <p:txStyles>
     <p:titleStyle>
@@ -5252,6 +7403,20 @@
           <a:p>
             <a:r>
               <a:rPr lang="fr-FR" dirty="0" smtClean="0"/>
+              <a:t>K </a:t>
+            </a:r>
+            <a:r>
+              <a:rPr lang="fr-FR" dirty="0" smtClean="0"/>
+              <a:t>plus proches </a:t>
+            </a:r>
+            <a:r>
+              <a:rPr lang="fr-FR" dirty="0" smtClean="0"/>
+              <a:t>voisins</a:t>
+            </a:r>
+          </a:p>
+          <a:p>
+            <a:r>
+              <a:rPr lang="fr-FR" dirty="0" smtClean="0"/>
               <a:t>Case-</a:t>
             </a:r>
             <a:r>
@@ -5270,12 +7435,7 @@
               <a:rPr lang="fr-FR" dirty="0" smtClean="0"/>
               <a:t> (CBR)</a:t>
             </a:r>
-          </a:p>
-          <a:p>
-            <a:r>
-              <a:rPr lang="fr-FR" dirty="0" smtClean="0"/>
-              <a:t>K plus proches voisins</a:t>
-            </a:r>
+            <a:endParaRPr lang="fr-FR" dirty="0" smtClean="0"/>
           </a:p>
           <a:p>
             <a:r>
@@ -5590,8 +7750,8 @@
           </a:p>
         </p:txBody>
       </p:sp>
-      <mc:AlternateContent xmlns:mc="http://schemas.openxmlformats.org/markup-compatibility/2006">
-        <mc:Choice xmlns:a14="http://schemas.microsoft.com/office/drawing/2010/main" Requires="a14">
+      <mc:AlternateContent xmlns:mc="http://schemas.openxmlformats.org/markup-compatibility/2006" xmlns:a14="http://schemas.microsoft.com/office/drawing/2010/main">
+        <mc:Choice Requires="a14">
           <p:sp>
             <p:nvSpPr>
               <p:cNvPr id="4" name="ZoneTexte 3"/>
@@ -5633,7 +7793,7 @@
                       <m:d>
                         <m:dPr>
                           <m:ctrlPr>
-                            <a:rPr lang="fr-FR" sz="2400" smtClean="0">
+                            <a:rPr lang="fr-FR" sz="2400" i="1" smtClean="0">
                               <a:latin typeface="Cambria Math"/>
                             </a:rPr>
                           </m:ctrlPr>
@@ -5674,7 +7834,7 @@
                       <m:f>
                         <m:fPr>
                           <m:ctrlPr>
-                            <a:rPr lang="fr-FR" sz="2400" smtClean="0">
+                            <a:rPr lang="fr-FR" sz="2400" i="1" smtClean="0">
                               <a:latin typeface="Cambria Math"/>
                             </a:rPr>
                           </m:ctrlPr>
@@ -5724,7 +7884,7 @@
                           <m:d>
                             <m:dPr>
                               <m:ctrlPr>
-                                <a:rPr lang="fr-FR" sz="2400" smtClean="0">
+                                <a:rPr lang="fr-FR" sz="2400" i="1" smtClean="0">
                                   <a:latin typeface="Cambria Math"/>
                                 </a:rPr>
                               </m:ctrlPr>
@@ -5791,7 +7951,7 @@
             </p:txBody>
           </p:sp>
         </mc:Choice>
-        <mc:Fallback>
+        <mc:Fallback xmlns="">
           <p:sp>
             <p:nvSpPr>
               <p:cNvPr id="4" name="ZoneTexte 3"/>
@@ -5904,32 +8064,13 @@
       </p:sp>
       <p:sp>
         <p:nvSpPr>
-          <p:cNvPr id="3" name="Espace réservé du contenu 2"/>
-          <p:cNvSpPr>
-            <a:spLocks noGrp="1"/>
-          </p:cNvSpPr>
-          <p:nvPr>
-            <p:ph idx="1"/>
-          </p:nvPr>
-        </p:nvSpPr>
-        <p:spPr/>
-        <p:txBody>
-          <a:bodyPr/>
-          <a:lstStyle/>
-          <a:p>
-            <a:endParaRPr lang="fr-FR" dirty="0"/>
-          </a:p>
-        </p:txBody>
-      </p:sp>
-      <p:sp>
-        <p:nvSpPr>
           <p:cNvPr id="5" name="Ellipse 4"/>
           <p:cNvSpPr/>
           <p:nvPr/>
         </p:nvSpPr>
         <p:spPr>
           <a:xfrm>
-            <a:off x="1489056" y="1930936"/>
+            <a:off x="2810824" y="1930936"/>
             <a:ext cx="1728192" cy="1728192"/>
           </a:xfrm>
           <a:prstGeom prst="ellipse">
@@ -5957,54 +8098,6 @@
           <a:lstStyle/>
           <a:p>
             <a:pPr algn="ctr"/>
-            <a:r>
-              <a:rPr lang="fr-FR" dirty="0" smtClean="0"/>
-              <a:t>Corpus 1</a:t>
-            </a:r>
-            <a:endParaRPr lang="fr-FR" dirty="0"/>
-          </a:p>
-        </p:txBody>
-      </p:sp>
-      <p:sp>
-        <p:nvSpPr>
-          <p:cNvPr id="6" name="Ellipse 5"/>
-          <p:cNvSpPr/>
-          <p:nvPr/>
-        </p:nvSpPr>
-        <p:spPr>
-          <a:xfrm>
-            <a:off x="5887324" y="1930936"/>
-            <a:ext cx="1728192" cy="1728192"/>
-          </a:xfrm>
-          <a:prstGeom prst="ellipse">
-            <a:avLst/>
-          </a:prstGeom>
-        </p:spPr>
-        <p:style>
-          <a:lnRef idx="2">
-            <a:schemeClr val="accent1">
-              <a:shade val="50000"/>
-            </a:schemeClr>
-          </a:lnRef>
-          <a:fillRef idx="1">
-            <a:schemeClr val="accent1"/>
-          </a:fillRef>
-          <a:effectRef idx="0">
-            <a:schemeClr val="accent1"/>
-          </a:effectRef>
-          <a:fontRef idx="minor">
-            <a:schemeClr val="lt1"/>
-          </a:fontRef>
-        </p:style>
-        <p:txBody>
-          <a:bodyPr rtlCol="0" anchor="ctr"/>
-          <a:lstStyle/>
-          <a:p>
-            <a:pPr algn="ctr"/>
-            <a:r>
-              <a:rPr lang="fr-FR" dirty="0" smtClean="0"/>
-              <a:t>Corpus 2</a:t>
-            </a:r>
             <a:endParaRPr lang="fr-FR" dirty="0"/>
           </a:p>
         </p:txBody>
@@ -6012,14 +8105,12 @@
       <p:cxnSp>
         <p:nvCxnSpPr>
           <p:cNvPr id="9" name="Connecteur droit avec flèche 8"/>
-          <p:cNvCxnSpPr>
-            <a:stCxn id="5" idx="3"/>
-          </p:cNvCxnSpPr>
+          <p:cNvCxnSpPr/>
           <p:nvPr/>
         </p:nvCxnSpPr>
         <p:spPr>
           <a:xfrm flipH="1">
-            <a:off x="1231856" y="3406040"/>
+            <a:off x="2808768" y="3406040"/>
             <a:ext cx="510288" cy="990248"/>
           </a:xfrm>
           <a:prstGeom prst="straightConnector1">
@@ -6052,8 +8143,316 @@
         </p:nvCxnSpPr>
         <p:spPr>
           <a:xfrm>
-            <a:off x="2791432" y="3385628"/>
+            <a:off x="4113200" y="3415324"/>
             <a:ext cx="425816" cy="1031072"/>
+          </a:xfrm>
+          <a:prstGeom prst="straightConnector1">
+            <a:avLst/>
+          </a:prstGeom>
+          <a:ln>
+            <a:tailEnd type="arrow"/>
+          </a:ln>
+        </p:spPr>
+        <p:style>
+          <a:lnRef idx="1">
+            <a:schemeClr val="accent1"/>
+          </a:lnRef>
+          <a:fillRef idx="0">
+            <a:schemeClr val="accent1"/>
+          </a:fillRef>
+          <a:effectRef idx="0">
+            <a:schemeClr val="accent1"/>
+          </a:effectRef>
+          <a:fontRef idx="minor">
+            <a:schemeClr val="tx1"/>
+          </a:fontRef>
+        </p:style>
+      </p:cxnSp>
+      <p:sp>
+        <p:nvSpPr>
+          <p:cNvPr id="8" name="Organigramme : Délai 7"/>
+          <p:cNvSpPr/>
+          <p:nvPr/>
+        </p:nvSpPr>
+        <p:spPr>
+          <a:xfrm rot="10800000">
+            <a:off x="2234760" y="4411172"/>
+            <a:ext cx="576064" cy="926820"/>
+          </a:xfrm>
+          <a:prstGeom prst="flowChartDelay">
+            <a:avLst/>
+          </a:prstGeom>
+          <a:solidFill>
+            <a:schemeClr val="accent1">
+              <a:lumMod val="60000"/>
+              <a:lumOff val="40000"/>
+            </a:schemeClr>
+          </a:solidFill>
+        </p:spPr>
+        <p:style>
+          <a:lnRef idx="2">
+            <a:schemeClr val="accent1">
+              <a:shade val="50000"/>
+            </a:schemeClr>
+          </a:lnRef>
+          <a:fillRef idx="1">
+            <a:schemeClr val="accent1"/>
+          </a:fillRef>
+          <a:effectRef idx="0">
+            <a:schemeClr val="accent1"/>
+          </a:effectRef>
+          <a:fontRef idx="minor">
+            <a:schemeClr val="lt1"/>
+          </a:fontRef>
+        </p:style>
+        <p:txBody>
+          <a:bodyPr rtlCol="0" anchor="ctr"/>
+          <a:lstStyle/>
+          <a:p>
+            <a:pPr algn="ctr"/>
+            <a:endParaRPr lang="fr-FR" dirty="0"/>
+          </a:p>
+        </p:txBody>
+      </p:sp>
+      <p:sp>
+        <p:nvSpPr>
+          <p:cNvPr id="20" name="Organigramme : Délai 19"/>
+          <p:cNvSpPr/>
+          <p:nvPr/>
+        </p:nvSpPr>
+        <p:spPr>
+          <a:xfrm>
+            <a:off x="2810824" y="4408701"/>
+            <a:ext cx="576064" cy="926820"/>
+          </a:xfrm>
+          <a:prstGeom prst="flowChartDelay">
+            <a:avLst/>
+          </a:prstGeom>
+        </p:spPr>
+        <p:style>
+          <a:lnRef idx="2">
+            <a:schemeClr val="accent1">
+              <a:shade val="50000"/>
+            </a:schemeClr>
+          </a:lnRef>
+          <a:fillRef idx="1">
+            <a:schemeClr val="accent1"/>
+          </a:fillRef>
+          <a:effectRef idx="0">
+            <a:schemeClr val="accent1"/>
+          </a:effectRef>
+          <a:fontRef idx="minor">
+            <a:schemeClr val="lt1"/>
+          </a:fontRef>
+        </p:style>
+        <p:txBody>
+          <a:bodyPr rtlCol="0" anchor="ctr"/>
+          <a:lstStyle/>
+          <a:p>
+            <a:pPr algn="ctr"/>
+            <a:endParaRPr lang="fr-FR"/>
+          </a:p>
+        </p:txBody>
+      </p:sp>
+      <p:sp>
+        <p:nvSpPr>
+          <p:cNvPr id="23" name="Organigramme : Délai 22"/>
+          <p:cNvSpPr/>
+          <p:nvPr/>
+        </p:nvSpPr>
+        <p:spPr>
+          <a:xfrm rot="10800000">
+            <a:off x="3952667" y="4435009"/>
+            <a:ext cx="576064" cy="926820"/>
+          </a:xfrm>
+          <a:prstGeom prst="flowChartDelay">
+            <a:avLst/>
+          </a:prstGeom>
+          <a:solidFill>
+            <a:schemeClr val="accent1">
+              <a:lumMod val="60000"/>
+              <a:lumOff val="40000"/>
+            </a:schemeClr>
+          </a:solidFill>
+        </p:spPr>
+        <p:style>
+          <a:lnRef idx="2">
+            <a:schemeClr val="accent1">
+              <a:shade val="50000"/>
+            </a:schemeClr>
+          </a:lnRef>
+          <a:fillRef idx="1">
+            <a:schemeClr val="accent1"/>
+          </a:fillRef>
+          <a:effectRef idx="0">
+            <a:schemeClr val="accent1"/>
+          </a:effectRef>
+          <a:fontRef idx="minor">
+            <a:schemeClr val="lt1"/>
+          </a:fontRef>
+        </p:style>
+        <p:txBody>
+          <a:bodyPr rtlCol="0" anchor="ctr"/>
+          <a:lstStyle/>
+          <a:p>
+            <a:pPr algn="ctr"/>
+            <a:endParaRPr lang="fr-FR"/>
+          </a:p>
+        </p:txBody>
+      </p:sp>
+      <p:sp>
+        <p:nvSpPr>
+          <p:cNvPr id="24" name="Organigramme : Délai 23"/>
+          <p:cNvSpPr/>
+          <p:nvPr/>
+        </p:nvSpPr>
+        <p:spPr>
+          <a:xfrm>
+            <a:off x="4528731" y="4432538"/>
+            <a:ext cx="576064" cy="926820"/>
+          </a:xfrm>
+          <a:prstGeom prst="flowChartDelay">
+            <a:avLst/>
+          </a:prstGeom>
+        </p:spPr>
+        <p:style>
+          <a:lnRef idx="2">
+            <a:schemeClr val="accent1">
+              <a:shade val="50000"/>
+            </a:schemeClr>
+          </a:lnRef>
+          <a:fillRef idx="1">
+            <a:schemeClr val="accent1"/>
+          </a:fillRef>
+          <a:effectRef idx="0">
+            <a:schemeClr val="accent1"/>
+          </a:effectRef>
+          <a:fontRef idx="minor">
+            <a:schemeClr val="lt1"/>
+          </a:fontRef>
+        </p:style>
+        <p:txBody>
+          <a:bodyPr rtlCol="0" anchor="ctr"/>
+          <a:lstStyle/>
+          <a:p>
+            <a:pPr algn="ctr"/>
+            <a:endParaRPr lang="fr-FR"/>
+          </a:p>
+        </p:txBody>
+      </p:sp>
+      <p:sp>
+        <p:nvSpPr>
+          <p:cNvPr id="13" name="ZoneTexte 12"/>
+          <p:cNvSpPr txBox="1"/>
+          <p:nvPr/>
+        </p:nvSpPr>
+        <p:spPr>
+          <a:xfrm>
+            <a:off x="395536" y="2502644"/>
+            <a:ext cx="1356462" cy="584775"/>
+          </a:xfrm>
+          <a:prstGeom prst="rect">
+            <a:avLst/>
+          </a:prstGeom>
+          <a:noFill/>
+        </p:spPr>
+        <p:txBody>
+          <a:bodyPr wrap="none" rtlCol="0">
+            <a:spAutoFit/>
+          </a:bodyPr>
+          <a:lstStyle/>
+          <a:p>
+            <a:r>
+              <a:rPr lang="fr-FR" sz="3200" dirty="0" smtClean="0"/>
+              <a:t>Corpus</a:t>
+            </a:r>
+            <a:endParaRPr lang="fr-FR" sz="3200" dirty="0"/>
+          </a:p>
+        </p:txBody>
+      </p:sp>
+      <p:cxnSp>
+        <p:nvCxnSpPr>
+          <p:cNvPr id="15" name="Connecteur droit 14"/>
+          <p:cNvCxnSpPr/>
+          <p:nvPr/>
+        </p:nvCxnSpPr>
+        <p:spPr>
+          <a:xfrm>
+            <a:off x="0" y="3930860"/>
+            <a:ext cx="9144000" cy="0"/>
+          </a:xfrm>
+          <a:prstGeom prst="line">
+            <a:avLst/>
+          </a:prstGeom>
+          <a:ln>
+            <a:prstDash val="dash"/>
+          </a:ln>
+        </p:spPr>
+        <p:style>
+          <a:lnRef idx="1">
+            <a:schemeClr val="accent1"/>
+          </a:lnRef>
+          <a:fillRef idx="0">
+            <a:schemeClr val="accent1"/>
+          </a:fillRef>
+          <a:effectRef idx="0">
+            <a:schemeClr val="accent1"/>
+          </a:effectRef>
+          <a:fontRef idx="minor">
+            <a:schemeClr val="tx1"/>
+          </a:fontRef>
+        </p:style>
+      </p:cxnSp>
+      <p:sp>
+        <p:nvSpPr>
+          <p:cNvPr id="33" name="Ellipse 32"/>
+          <p:cNvSpPr/>
+          <p:nvPr/>
+        </p:nvSpPr>
+        <p:spPr>
+          <a:xfrm>
+            <a:off x="6156176" y="1960405"/>
+            <a:ext cx="1728192" cy="1728192"/>
+          </a:xfrm>
+          <a:prstGeom prst="ellipse">
+            <a:avLst/>
+          </a:prstGeom>
+        </p:spPr>
+        <p:style>
+          <a:lnRef idx="2">
+            <a:schemeClr val="accent1">
+              <a:shade val="50000"/>
+            </a:schemeClr>
+          </a:lnRef>
+          <a:fillRef idx="1">
+            <a:schemeClr val="accent1"/>
+          </a:fillRef>
+          <a:effectRef idx="0">
+            <a:schemeClr val="accent1"/>
+          </a:effectRef>
+          <a:fontRef idx="minor">
+            <a:schemeClr val="lt1"/>
+          </a:fontRef>
+        </p:style>
+        <p:txBody>
+          <a:bodyPr rtlCol="0" anchor="ctr"/>
+          <a:lstStyle/>
+          <a:p>
+            <a:pPr algn="ctr"/>
+            <a:endParaRPr lang="fr-FR" dirty="0"/>
+          </a:p>
+        </p:txBody>
+      </p:sp>
+      <p:cxnSp>
+        <p:nvCxnSpPr>
+          <p:cNvPr id="34" name="Connecteur droit avec flèche 33"/>
+          <p:cNvCxnSpPr/>
+          <p:nvPr/>
+        </p:nvCxnSpPr>
+        <p:spPr>
+          <a:xfrm flipH="1">
+            <a:off x="6154120" y="3435509"/>
+            <a:ext cx="510288" cy="990248"/>
           </a:xfrm>
           <a:prstGeom prst="straightConnector1">
             <a:avLst/>
@@ -6079,14 +8478,14 @@
       </p:cxnSp>
       <p:cxnSp>
         <p:nvCxnSpPr>
-          <p:cNvPr id="11" name="Connecteur droit avec flèche 10"/>
+          <p:cNvPr id="35" name="Connecteur droit avec flèche 34"/>
           <p:cNvCxnSpPr/>
           <p:nvPr/>
         </p:nvCxnSpPr>
         <p:spPr>
           <a:xfrm>
-            <a:off x="7285000" y="3365216"/>
-            <a:ext cx="455352" cy="1081180"/>
+            <a:off x="7458552" y="3444793"/>
+            <a:ext cx="425816" cy="1031072"/>
           </a:xfrm>
           <a:prstGeom prst="straightConnector1">
             <a:avLst/>
@@ -6110,57 +8509,24 @@
           </a:fontRef>
         </p:style>
       </p:cxnSp>
-      <p:cxnSp>
-        <p:nvCxnSpPr>
-          <p:cNvPr id="12" name="Connecteur droit avec flèche 11"/>
-          <p:cNvCxnSpPr/>
-          <p:nvPr/>
-        </p:nvCxnSpPr>
-        <p:spPr>
-          <a:xfrm flipH="1">
-            <a:off x="5613000" y="3406040"/>
-            <a:ext cx="510288" cy="1040356"/>
-          </a:xfrm>
-          <a:prstGeom prst="straightConnector1">
-            <a:avLst/>
-          </a:prstGeom>
-          <a:ln>
-            <a:tailEnd type="arrow"/>
-          </a:ln>
-        </p:spPr>
-        <p:style>
-          <a:lnRef idx="1">
-            <a:schemeClr val="accent1"/>
-          </a:lnRef>
-          <a:fillRef idx="0">
-            <a:schemeClr val="accent1"/>
-          </a:fillRef>
-          <a:effectRef idx="0">
-            <a:schemeClr val="accent1"/>
-          </a:effectRef>
-          <a:fontRef idx="minor">
-            <a:schemeClr val="tx1"/>
-          </a:fontRef>
-        </p:style>
-      </p:cxnSp>
-      <p:sp>
-        <p:nvSpPr>
-          <p:cNvPr id="17" name="Ellipse 16"/>
+      <p:sp>
+        <p:nvSpPr>
+          <p:cNvPr id="36" name="Organigramme : Délai 35"/>
           <p:cNvSpPr/>
           <p:nvPr/>
         </p:nvSpPr>
         <p:spPr>
-          <a:xfrm>
-            <a:off x="506760" y="4396288"/>
-            <a:ext cx="1472952" cy="1243060"/>
+          <a:xfrm rot="10800000">
+            <a:off x="5580112" y="4440641"/>
+            <a:ext cx="576064" cy="926820"/>
           </a:xfrm>
-          <a:prstGeom prst="ellipse">
+          <a:prstGeom prst="flowChartDelay">
             <a:avLst/>
           </a:prstGeom>
           <a:solidFill>
-            <a:schemeClr val="tx2">
-              <a:lumMod val="20000"/>
-              <a:lumOff val="80000"/>
+            <a:schemeClr val="accent1">
+              <a:lumMod val="60000"/>
+              <a:lumOff val="40000"/>
             </a:schemeClr>
           </a:solidFill>
         </p:spPr>
@@ -6185,48 +8551,68 @@
           <a:lstStyle/>
           <a:p>
             <a:pPr algn="ctr"/>
-            <a:r>
-              <a:rPr lang="fr-FR" dirty="0" err="1" smtClean="0">
-                <a:solidFill>
-                  <a:schemeClr val="tx2"/>
-                </a:solidFill>
-              </a:rPr>
-              <a:t>Dataset</a:t>
-            </a:r>
-            <a:r>
-              <a:rPr lang="fr-FR" dirty="0" smtClean="0">
-                <a:solidFill>
-                  <a:schemeClr val="tx2"/>
-                </a:solidFill>
-              </a:rPr>
-              <a:t> 1.1</a:t>
-            </a:r>
-            <a:endParaRPr lang="fr-FR" dirty="0">
-              <a:solidFill>
-                <a:schemeClr val="tx2"/>
-              </a:solidFill>
-            </a:endParaRPr>
-          </a:p>
-        </p:txBody>
-      </p:sp>
-      <p:sp>
-        <p:nvSpPr>
-          <p:cNvPr id="26" name="Ellipse 25"/>
+            <a:endParaRPr lang="fr-FR"/>
+          </a:p>
+        </p:txBody>
+      </p:sp>
+      <p:sp>
+        <p:nvSpPr>
+          <p:cNvPr id="37" name="Organigramme : Délai 36"/>
           <p:cNvSpPr/>
           <p:nvPr/>
         </p:nvSpPr>
         <p:spPr>
           <a:xfrm>
-            <a:off x="2627784" y="4446396"/>
-            <a:ext cx="1472952" cy="1243060"/>
+            <a:off x="6156176" y="4438170"/>
+            <a:ext cx="576064" cy="926820"/>
           </a:xfrm>
-          <a:prstGeom prst="ellipse">
+          <a:prstGeom prst="flowChartDelay">
+            <a:avLst/>
+          </a:prstGeom>
+        </p:spPr>
+        <p:style>
+          <a:lnRef idx="2">
+            <a:schemeClr val="accent1">
+              <a:shade val="50000"/>
+            </a:schemeClr>
+          </a:lnRef>
+          <a:fillRef idx="1">
+            <a:schemeClr val="accent1"/>
+          </a:fillRef>
+          <a:effectRef idx="0">
+            <a:schemeClr val="accent1"/>
+          </a:effectRef>
+          <a:fontRef idx="minor">
+            <a:schemeClr val="lt1"/>
+          </a:fontRef>
+        </p:style>
+        <p:txBody>
+          <a:bodyPr rtlCol="0" anchor="ctr"/>
+          <a:lstStyle/>
+          <a:p>
+            <a:pPr algn="ctr"/>
+            <a:endParaRPr lang="fr-FR"/>
+          </a:p>
+        </p:txBody>
+      </p:sp>
+      <p:sp>
+        <p:nvSpPr>
+          <p:cNvPr id="38" name="Organigramme : Délai 37"/>
+          <p:cNvSpPr/>
+          <p:nvPr/>
+        </p:nvSpPr>
+        <p:spPr>
+          <a:xfrm rot="10800000">
+            <a:off x="7298019" y="4464478"/>
+            <a:ext cx="576064" cy="926820"/>
+          </a:xfrm>
+          <a:prstGeom prst="flowChartDelay">
             <a:avLst/>
           </a:prstGeom>
           <a:solidFill>
-            <a:schemeClr val="tx2">
-              <a:lumMod val="20000"/>
-              <a:lumOff val="80000"/>
+            <a:schemeClr val="accent1">
+              <a:lumMod val="60000"/>
+              <a:lumOff val="40000"/>
             </a:schemeClr>
           </a:solidFill>
         </p:spPr>
@@ -6251,50 +8637,24 @@
           <a:lstStyle/>
           <a:p>
             <a:pPr algn="ctr"/>
-            <a:r>
-              <a:rPr lang="fr-FR" dirty="0" err="1" smtClean="0">
-                <a:solidFill>
-                  <a:schemeClr val="tx2"/>
-                </a:solidFill>
-              </a:rPr>
-              <a:t>Dataset</a:t>
-            </a:r>
-            <a:r>
-              <a:rPr lang="fr-FR" dirty="0" smtClean="0">
-                <a:solidFill>
-                  <a:schemeClr val="tx2"/>
-                </a:solidFill>
-              </a:rPr>
-              <a:t> 1.2</a:t>
-            </a:r>
-            <a:endParaRPr lang="fr-FR" dirty="0">
-              <a:solidFill>
-                <a:schemeClr val="tx2"/>
-              </a:solidFill>
-            </a:endParaRPr>
-          </a:p>
-        </p:txBody>
-      </p:sp>
-      <p:sp>
-        <p:nvSpPr>
-          <p:cNvPr id="27" name="Ellipse 26"/>
+            <a:endParaRPr lang="fr-FR"/>
+          </a:p>
+        </p:txBody>
+      </p:sp>
+      <p:sp>
+        <p:nvSpPr>
+          <p:cNvPr id="39" name="Organigramme : Délai 38"/>
           <p:cNvSpPr/>
           <p:nvPr/>
         </p:nvSpPr>
         <p:spPr>
           <a:xfrm>
-            <a:off x="4650336" y="4446396"/>
-            <a:ext cx="1472952" cy="1243060"/>
+            <a:off x="7874083" y="4462007"/>
+            <a:ext cx="576064" cy="926820"/>
           </a:xfrm>
-          <a:prstGeom prst="ellipse">
+          <a:prstGeom prst="flowChartDelay">
             <a:avLst/>
           </a:prstGeom>
-          <a:solidFill>
-            <a:schemeClr val="tx2">
-              <a:lumMod val="20000"/>
-              <a:lumOff val="80000"/>
-            </a:schemeClr>
-          </a:solidFill>
         </p:spPr>
         <p:style>
           <a:lnRef idx="2">
@@ -6317,101 +8677,161 @@
           <a:lstStyle/>
           <a:p>
             <a:pPr algn="ctr"/>
-            <a:r>
-              <a:rPr lang="fr-FR" dirty="0" err="1" smtClean="0">
-                <a:solidFill>
-                  <a:schemeClr val="tx2"/>
-                </a:solidFill>
-              </a:rPr>
-              <a:t>Dataset</a:t>
-            </a:r>
-            <a:r>
-              <a:rPr lang="fr-FR" dirty="0" smtClean="0">
-                <a:solidFill>
-                  <a:schemeClr val="tx2"/>
-                </a:solidFill>
-              </a:rPr>
-              <a:t> 2.1</a:t>
-            </a:r>
-            <a:endParaRPr lang="fr-FR" dirty="0">
-              <a:solidFill>
-                <a:schemeClr val="tx2"/>
-              </a:solidFill>
-            </a:endParaRPr>
-          </a:p>
-        </p:txBody>
-      </p:sp>
-      <p:sp>
-        <p:nvSpPr>
-          <p:cNvPr id="28" name="Ellipse 27"/>
-          <p:cNvSpPr/>
+            <a:endParaRPr lang="fr-FR"/>
+          </a:p>
+        </p:txBody>
+      </p:sp>
+      <p:sp>
+        <p:nvSpPr>
+          <p:cNvPr id="40" name="ZoneTexte 39"/>
+          <p:cNvSpPr txBox="1"/>
           <p:nvPr/>
         </p:nvSpPr>
         <p:spPr>
           <a:xfrm>
-            <a:off x="7237792" y="4446396"/>
-            <a:ext cx="1472952" cy="1243060"/>
+            <a:off x="395536" y="4582194"/>
+            <a:ext cx="1621213" cy="584775"/>
           </a:xfrm>
-          <a:prstGeom prst="ellipse">
+          <a:prstGeom prst="rect">
             <a:avLst/>
           </a:prstGeom>
-          <a:solidFill>
-            <a:schemeClr val="tx2">
-              <a:lumMod val="20000"/>
-              <a:lumOff val="80000"/>
-            </a:schemeClr>
-          </a:solidFill>
+          <a:noFill/>
         </p:spPr>
-        <p:style>
-          <a:lnRef idx="2">
-            <a:schemeClr val="accent1">
-              <a:shade val="50000"/>
-            </a:schemeClr>
-          </a:lnRef>
-          <a:fillRef idx="1">
-            <a:schemeClr val="accent1"/>
-          </a:fillRef>
-          <a:effectRef idx="0">
-            <a:schemeClr val="accent1"/>
-          </a:effectRef>
-          <a:fontRef idx="minor">
-            <a:schemeClr val="lt1"/>
-          </a:fontRef>
-        </p:style>
-        <p:txBody>
-          <a:bodyPr rtlCol="0" anchor="ctr"/>
-          <a:lstStyle/>
-          <a:p>
-            <a:pPr algn="ctr"/>
-            <a:r>
-              <a:rPr lang="fr-FR" dirty="0" err="1" smtClean="0">
-                <a:solidFill>
-                  <a:schemeClr val="tx2"/>
-                </a:solidFill>
-              </a:rPr>
-              <a:t>Dataset</a:t>
-            </a:r>
-            <a:r>
-              <a:rPr lang="fr-FR" dirty="0" smtClean="0">
-                <a:solidFill>
-                  <a:srgbClr val="FF0000"/>
-                </a:solidFill>
-              </a:rPr>
-              <a:t> </a:t>
-            </a:r>
-            <a:r>
-              <a:rPr lang="fr-FR" dirty="0" smtClean="0">
-                <a:solidFill>
-                  <a:schemeClr val="tx2"/>
-                </a:solidFill>
-              </a:rPr>
+        <p:txBody>
+          <a:bodyPr wrap="none" rtlCol="0">
+            <a:spAutoFit/>
+          </a:bodyPr>
+          <a:lstStyle/>
+          <a:p>
+            <a:r>
+              <a:rPr lang="fr-FR" sz="3200" dirty="0" err="1" smtClean="0"/>
+              <a:t>Datasets</a:t>
+            </a:r>
+            <a:endParaRPr lang="fr-FR" sz="3200" dirty="0"/>
+          </a:p>
+        </p:txBody>
+      </p:sp>
+      <p:sp>
+        <p:nvSpPr>
+          <p:cNvPr id="41" name="ZoneTexte 40"/>
+          <p:cNvSpPr txBox="1"/>
+          <p:nvPr/>
+        </p:nvSpPr>
+        <p:spPr>
+          <a:xfrm>
+            <a:off x="2570562" y="5517232"/>
+            <a:ext cx="476412" cy="369332"/>
+          </a:xfrm>
+          <a:prstGeom prst="rect">
+            <a:avLst/>
+          </a:prstGeom>
+          <a:noFill/>
+        </p:spPr>
+        <p:txBody>
+          <a:bodyPr wrap="none" rtlCol="0">
+            <a:spAutoFit/>
+          </a:bodyPr>
+          <a:lstStyle/>
+          <a:p>
+            <a:r>
+              <a:rPr lang="fr-FR" dirty="0" smtClean="0"/>
+              <a:t>1.1</a:t>
+            </a:r>
+            <a:endParaRPr lang="fr-FR" dirty="0"/>
+          </a:p>
+        </p:txBody>
+      </p:sp>
+      <p:sp>
+        <p:nvSpPr>
+          <p:cNvPr id="46" name="ZoneTexte 45"/>
+          <p:cNvSpPr txBox="1"/>
+          <p:nvPr/>
+        </p:nvSpPr>
+        <p:spPr>
+          <a:xfrm>
+            <a:off x="7635877" y="5517232"/>
+            <a:ext cx="476412" cy="369332"/>
+          </a:xfrm>
+          <a:prstGeom prst="rect">
+            <a:avLst/>
+          </a:prstGeom>
+          <a:noFill/>
+        </p:spPr>
+        <p:txBody>
+          <a:bodyPr wrap="none" rtlCol="0">
+            <a:spAutoFit/>
+          </a:bodyPr>
+          <a:lstStyle/>
+          <a:p>
+            <a:r>
+              <a:rPr lang="fr-FR" dirty="0" smtClean="0"/>
               <a:t>2.2</a:t>
             </a:r>
-            <a:endParaRPr lang="fr-FR" dirty="0">
-              <a:solidFill>
-                <a:schemeClr val="tx2"/>
-              </a:solidFill>
-            </a:endParaRPr>
+            <a:endParaRPr lang="fr-FR" dirty="0"/>
+          </a:p>
+        </p:txBody>
+      </p:sp>
+      <p:sp>
+        <p:nvSpPr>
+          <p:cNvPr id="47" name="ZoneTexte 46"/>
+          <p:cNvSpPr txBox="1"/>
+          <p:nvPr/>
+        </p:nvSpPr>
+        <p:spPr>
+          <a:xfrm>
+            <a:off x="5911680" y="5517232"/>
+            <a:ext cx="476412" cy="369332"/>
+          </a:xfrm>
+          <a:prstGeom prst="rect">
+            <a:avLst/>
+          </a:prstGeom>
+          <a:noFill/>
+        </p:spPr>
+        <p:txBody>
+          <a:bodyPr wrap="none" rtlCol="0">
+            <a:spAutoFit/>
+          </a:bodyPr>
+          <a:lstStyle/>
+          <a:p>
+            <a:r>
+              <a:rPr lang="fr-FR" dirty="0"/>
+              <a:t>2</a:t>
+            </a:r>
+            <a:r>
+              <a:rPr lang="fr-FR" dirty="0" smtClean="0"/>
+              <a:t>.1</a:t>
+            </a:r>
+            <a:endParaRPr lang="fr-FR" dirty="0"/>
+          </a:p>
+        </p:txBody>
+      </p:sp>
+      <p:sp>
+        <p:nvSpPr>
+          <p:cNvPr id="50" name="ZoneTexte 49"/>
+          <p:cNvSpPr txBox="1"/>
+          <p:nvPr/>
+        </p:nvSpPr>
+        <p:spPr>
+          <a:xfrm>
+            <a:off x="4333794" y="5517232"/>
+            <a:ext cx="476412" cy="369332"/>
+          </a:xfrm>
+          <a:prstGeom prst="rect">
+            <a:avLst/>
+          </a:prstGeom>
+          <a:noFill/>
+        </p:spPr>
+        <p:txBody>
+          <a:bodyPr wrap="none" rtlCol="0">
+            <a:spAutoFit/>
+          </a:bodyPr>
+          <a:lstStyle/>
+          <a:p>
+            <a:r>
+              <a:rPr lang="fr-FR" dirty="0" smtClean="0"/>
+              <a:t>1.2</a:t>
+            </a:r>
+            <a:endParaRPr lang="fr-FR" dirty="0"/>
           </a:p>
         </p:txBody>
       </p:sp>
@@ -6673,13 +9093,13 @@
               </a:ext>
             </a:extLst>
           </a:blip>
-          <a:srcRect l="25272" t="26096" r="20011" b="21431"/>
+          <a:srcRect l="25049" t="26318" r="20370" b="21579"/>
           <a:stretch/>
         </p:blipFill>
         <p:spPr bwMode="auto">
           <a:xfrm>
-            <a:off x="1578230" y="2781300"/>
-            <a:ext cx="6090114" cy="3650165"/>
+            <a:off x="1187624" y="2791326"/>
+            <a:ext cx="6797503" cy="3568689"/>
           </a:xfrm>
           <a:prstGeom prst="rect">
             <a:avLst/>
@@ -6882,15 +9302,7 @@
             </a:r>
             <a:r>
               <a:rPr lang="en-US" dirty="0" smtClean="0"/>
-              <a:t> and </a:t>
-            </a:r>
-            <a:r>
-              <a:rPr lang="en-US" dirty="0" smtClean="0"/>
-              <a:t>compression </a:t>
-            </a:r>
-            <a:r>
-              <a:rPr lang="en-US" dirty="0" smtClean="0"/>
-              <a:t>PPM pour les </a:t>
+              <a:t> and compression PPM pour les </a:t>
             </a:r>
             <a:r>
               <a:rPr lang="en-US" dirty="0" err="1" smtClean="0"/>

--- a/BigData/expo/ArnaudVolle_SaidMehdi_MaximeChazalviel_ApprentissageAutomatique.pptx
+++ b/BigData/expo/ArnaudVolle_SaidMehdi_MaximeChazalviel_ApprentissageAutomatique.pptx
@@ -203,7 +203,7 @@
           <a:p>
             <a:fld id="{8BC46E75-6314-4F5E-A8E0-07516C522077}" type="datetimeFigureOut">
               <a:rPr lang="fr-FR" smtClean="0"/>
-              <a:t>08/10/2014</a:t>
+              <a:t>09/10/2014</a:t>
             </a:fld>
             <a:endParaRPr lang="fr-FR"/>
           </a:p>
@@ -886,7 +886,19 @@
                 <a:ea typeface="+mn-ea"/>
                 <a:cs typeface="+mn-cs"/>
               </a:rPr>
-              <a:t>ECUE est</a:t>
+              <a:t>ECUE est un système d'apprentissage automatique utilise les emails</a:t>
+            </a:r>
+            <a:r>
+              <a:rPr lang="fr-FR" sz="1200" b="0" i="0" kern="1200" baseline="0" dirty="0" smtClean="0">
+                <a:solidFill>
+                  <a:schemeClr val="tx1"/>
+                </a:solidFill>
+                <a:effectLst/>
+                <a:latin typeface="+mn-lt"/>
+                <a:ea typeface="+mn-ea"/>
+                <a:cs typeface="+mn-cs"/>
+              </a:rPr>
+              <a:t> </a:t>
             </a:r>
             <a:r>
               <a:rPr lang="fr-FR" sz="1200" b="0" i="0" kern="1200" dirty="0" smtClean="0">
@@ -898,7 +910,19 @@
                 <a:ea typeface="+mn-ea"/>
                 <a:cs typeface="+mn-cs"/>
               </a:rPr>
-              <a:t> un système d'apprentissage </a:t>
+              <a:t>que l’utilisateur</a:t>
+            </a:r>
+            <a:r>
+              <a:rPr lang="fr-FR" sz="1200" b="0" i="0" kern="1200" baseline="0" dirty="0" smtClean="0">
+                <a:solidFill>
+                  <a:schemeClr val="tx1"/>
+                </a:solidFill>
+                <a:effectLst/>
+                <a:latin typeface="+mn-lt"/>
+                <a:ea typeface="+mn-ea"/>
+                <a:cs typeface="+mn-cs"/>
+              </a:rPr>
+              <a:t> à reçu par le passé</a:t>
             </a:r>
             <a:r>
               <a:rPr lang="fr-FR" sz="1200" b="0" i="0" kern="1200" dirty="0" smtClean="0">
@@ -910,7 +934,7 @@
                 <a:ea typeface="+mn-ea"/>
                 <a:cs typeface="+mn-cs"/>
               </a:rPr>
-              <a:t>automatique utilise les emails</a:t>
+              <a:t>. Un training</a:t>
             </a:r>
             <a:r>
               <a:rPr lang="fr-FR" sz="1200" b="0" i="0" kern="1200" baseline="0" dirty="0" smtClean="0">
@@ -922,6 +946,30 @@
                 <a:ea typeface="+mn-ea"/>
                 <a:cs typeface="+mn-cs"/>
               </a:rPr>
+              <a:t> set qui est constitué d’</a:t>
+            </a:r>
+            <a:r>
+              <a:rPr lang="fr-FR" sz="1200" b="0" i="0" kern="1200" dirty="0" smtClean="0">
+                <a:solidFill>
+                  <a:schemeClr val="tx1"/>
+                </a:solidFill>
+                <a:effectLst/>
+                <a:latin typeface="+mn-lt"/>
+                <a:ea typeface="+mn-ea"/>
+                <a:cs typeface="+mn-cs"/>
+              </a:rPr>
+              <a:t>emails précédemment reçus par une personne, Spam et légitiment, est</a:t>
+            </a:r>
+            <a:r>
+              <a:rPr lang="fr-FR" sz="1200" b="0" i="0" kern="1200" baseline="0" dirty="0" smtClean="0">
+                <a:solidFill>
+                  <a:schemeClr val="tx1"/>
+                </a:solidFill>
+                <a:effectLst/>
+                <a:latin typeface="+mn-lt"/>
+                <a:ea typeface="+mn-ea"/>
+                <a:cs typeface="+mn-cs"/>
+              </a:rPr>
               <a:t> </a:t>
             </a:r>
             <a:r>
@@ -934,7 +982,7 @@
                 <a:ea typeface="+mn-ea"/>
                 <a:cs typeface="+mn-cs"/>
               </a:rPr>
-              <a:t>que l’utilisateur</a:t>
+              <a:t>créé.</a:t>
             </a:r>
             <a:r>
               <a:rPr lang="fr-FR" sz="1200" b="0" i="0" kern="1200" baseline="0" dirty="0" smtClean="0">
@@ -946,7 +994,7 @@
                 <a:ea typeface="+mn-ea"/>
                 <a:cs typeface="+mn-cs"/>
               </a:rPr>
-              <a:t> à reçu par le passé</a:t>
+              <a:t> Les nouveaux </a:t>
             </a:r>
             <a:r>
               <a:rPr lang="fr-FR" sz="1200" b="0" i="0" kern="1200" dirty="0" smtClean="0">
@@ -958,7 +1006,7 @@
                 <a:ea typeface="+mn-ea"/>
                 <a:cs typeface="+mn-cs"/>
               </a:rPr>
-              <a:t>. Un training</a:t>
+              <a:t>emails sont classer en utilisant l'algorithme des K plus proche voisins (sur le training set). Les K emails qui sont les plus proches de</a:t>
             </a:r>
             <a:r>
               <a:rPr lang="fr-FR" sz="1200" b="0" i="0" kern="1200" baseline="0" dirty="0" smtClean="0">
@@ -970,7 +1018,7 @@
                 <a:ea typeface="+mn-ea"/>
                 <a:cs typeface="+mn-cs"/>
               </a:rPr>
-              <a:t> set qui est constitué d’</a:t>
+              <a:t> l’email </a:t>
             </a:r>
             <a:r>
               <a:rPr lang="fr-FR" sz="1200" b="0" i="0" kern="1200" dirty="0" smtClean="0">
@@ -982,199 +1030,7 @@
                 <a:ea typeface="+mn-ea"/>
                 <a:cs typeface="+mn-cs"/>
               </a:rPr>
-              <a:t>emails précédemment reçus par une personne, Spam et légitiment</a:t>
-            </a:r>
-            <a:r>
-              <a:rPr lang="fr-FR" sz="1200" b="0" i="0" kern="1200" dirty="0" smtClean="0">
-                <a:solidFill>
-                  <a:schemeClr val="tx1"/>
-                </a:solidFill>
-                <a:effectLst/>
-                <a:latin typeface="+mn-lt"/>
-                <a:ea typeface="+mn-ea"/>
-                <a:cs typeface="+mn-cs"/>
-              </a:rPr>
-              <a:t>, </a:t>
-            </a:r>
-            <a:r>
-              <a:rPr lang="fr-FR" sz="1200" b="0" i="0" kern="1200" dirty="0" smtClean="0">
-                <a:solidFill>
-                  <a:schemeClr val="tx1"/>
-                </a:solidFill>
-                <a:effectLst/>
-                <a:latin typeface="+mn-lt"/>
-                <a:ea typeface="+mn-ea"/>
-                <a:cs typeface="+mn-cs"/>
-              </a:rPr>
-              <a:t>est</a:t>
-            </a:r>
-            <a:r>
-              <a:rPr lang="fr-FR" sz="1200" b="0" i="0" kern="1200" baseline="0" dirty="0" smtClean="0">
-                <a:solidFill>
-                  <a:schemeClr val="tx1"/>
-                </a:solidFill>
-                <a:effectLst/>
-                <a:latin typeface="+mn-lt"/>
-                <a:ea typeface="+mn-ea"/>
-                <a:cs typeface="+mn-cs"/>
-              </a:rPr>
-              <a:t> </a:t>
-            </a:r>
-            <a:r>
-              <a:rPr lang="fr-FR" sz="1200" b="0" i="0" kern="1200" dirty="0" smtClean="0">
-                <a:solidFill>
-                  <a:schemeClr val="tx1"/>
-                </a:solidFill>
-                <a:effectLst/>
-                <a:latin typeface="+mn-lt"/>
-                <a:ea typeface="+mn-ea"/>
-                <a:cs typeface="+mn-cs"/>
-              </a:rPr>
-              <a:t>créé.</a:t>
-            </a:r>
-            <a:r>
-              <a:rPr lang="fr-FR" sz="1200" b="0" i="0" kern="1200" baseline="0" dirty="0" smtClean="0">
-                <a:solidFill>
-                  <a:schemeClr val="tx1"/>
-                </a:solidFill>
-                <a:effectLst/>
-                <a:latin typeface="+mn-lt"/>
-                <a:ea typeface="+mn-ea"/>
-                <a:cs typeface="+mn-cs"/>
-              </a:rPr>
-              <a:t> Les nouveaux </a:t>
-            </a:r>
-            <a:r>
-              <a:rPr lang="fr-FR" sz="1200" b="0" i="0" kern="1200" dirty="0" smtClean="0">
-                <a:solidFill>
-                  <a:schemeClr val="tx1"/>
-                </a:solidFill>
-                <a:effectLst/>
-                <a:latin typeface="+mn-lt"/>
-                <a:ea typeface="+mn-ea"/>
-                <a:cs typeface="+mn-cs"/>
-              </a:rPr>
-              <a:t>emails sont classer en utilisant l'algorithme des K plus proche voisins (sur le training set). Les</a:t>
-            </a:r>
-            <a:r>
-              <a:rPr lang="fr-FR" sz="1200" b="0" i="0" kern="1200" dirty="0" smtClean="0">
-                <a:solidFill>
-                  <a:schemeClr val="tx1"/>
-                </a:solidFill>
-                <a:effectLst/>
-                <a:latin typeface="+mn-lt"/>
-                <a:ea typeface="+mn-ea"/>
-                <a:cs typeface="+mn-cs"/>
-              </a:rPr>
-              <a:t> </a:t>
-            </a:r>
-            <a:r>
-              <a:rPr lang="fr-FR" sz="1200" b="0" i="0" kern="1200" dirty="0" smtClean="0">
-                <a:solidFill>
-                  <a:schemeClr val="tx1"/>
-                </a:solidFill>
-                <a:effectLst/>
-                <a:latin typeface="+mn-lt"/>
-                <a:ea typeface="+mn-ea"/>
-                <a:cs typeface="+mn-cs"/>
-              </a:rPr>
-              <a:t>K emails</a:t>
-            </a:r>
-            <a:r>
-              <a:rPr lang="fr-FR" sz="1200" b="0" i="0" kern="1200" dirty="0" smtClean="0">
-                <a:solidFill>
-                  <a:schemeClr val="tx1"/>
-                </a:solidFill>
-                <a:effectLst/>
-                <a:latin typeface="+mn-lt"/>
-                <a:ea typeface="+mn-ea"/>
-                <a:cs typeface="+mn-cs"/>
-              </a:rPr>
-              <a:t> qui </a:t>
-            </a:r>
-            <a:r>
-              <a:rPr lang="fr-FR" sz="1200" b="0" i="0" kern="1200" dirty="0" smtClean="0">
-                <a:solidFill>
-                  <a:schemeClr val="tx1"/>
-                </a:solidFill>
-                <a:effectLst/>
-                <a:latin typeface="+mn-lt"/>
-                <a:ea typeface="+mn-ea"/>
-                <a:cs typeface="+mn-cs"/>
-              </a:rPr>
-              <a:t>sont</a:t>
-            </a:r>
-            <a:r>
-              <a:rPr lang="fr-FR" sz="1200" b="0" i="0" kern="1200" dirty="0" smtClean="0">
-                <a:solidFill>
-                  <a:schemeClr val="tx1"/>
-                </a:solidFill>
-                <a:effectLst/>
-                <a:latin typeface="+mn-lt"/>
-                <a:ea typeface="+mn-ea"/>
-                <a:cs typeface="+mn-cs"/>
-              </a:rPr>
-              <a:t> les plus </a:t>
-            </a:r>
-            <a:r>
-              <a:rPr lang="fr-FR" sz="1200" b="0" i="0" kern="1200" dirty="0" smtClean="0">
-                <a:solidFill>
-                  <a:schemeClr val="tx1"/>
-                </a:solidFill>
-                <a:effectLst/>
-                <a:latin typeface="+mn-lt"/>
-                <a:ea typeface="+mn-ea"/>
-                <a:cs typeface="+mn-cs"/>
-              </a:rPr>
-              <a:t>proches de</a:t>
-            </a:r>
-            <a:r>
-              <a:rPr lang="fr-FR" sz="1200" b="0" i="0" kern="1200" baseline="0" dirty="0" smtClean="0">
-                <a:solidFill>
-                  <a:schemeClr val="tx1"/>
-                </a:solidFill>
-                <a:effectLst/>
-                <a:latin typeface="+mn-lt"/>
-                <a:ea typeface="+mn-ea"/>
-                <a:cs typeface="+mn-cs"/>
-              </a:rPr>
-              <a:t> l’email </a:t>
-            </a:r>
-            <a:r>
-              <a:rPr lang="fr-FR" sz="1200" b="0" i="0" kern="1200" dirty="0" smtClean="0">
-                <a:solidFill>
-                  <a:schemeClr val="tx1"/>
-                </a:solidFill>
-                <a:effectLst/>
-                <a:latin typeface="+mn-lt"/>
-                <a:ea typeface="+mn-ea"/>
-                <a:cs typeface="+mn-cs"/>
-              </a:rPr>
-              <a:t>cible sont</a:t>
-            </a:r>
-            <a:r>
-              <a:rPr lang="fr-FR" sz="1200" b="0" i="0" kern="1200" dirty="0" smtClean="0">
-                <a:solidFill>
-                  <a:schemeClr val="tx1"/>
-                </a:solidFill>
-                <a:effectLst/>
-                <a:latin typeface="+mn-lt"/>
-                <a:ea typeface="+mn-ea"/>
-                <a:cs typeface="+mn-cs"/>
-              </a:rPr>
-              <a:t> employés </a:t>
-            </a:r>
-            <a:r>
-              <a:rPr lang="fr-FR" sz="1200" b="0" i="0" kern="1200" dirty="0" smtClean="0">
-                <a:solidFill>
-                  <a:schemeClr val="tx1"/>
-                </a:solidFill>
-                <a:effectLst/>
-                <a:latin typeface="+mn-lt"/>
-                <a:ea typeface="+mn-ea"/>
-                <a:cs typeface="+mn-cs"/>
-              </a:rPr>
-              <a:t>pour</a:t>
+              <a:t>cible sont employés pour</a:t>
             </a:r>
             <a:r>
               <a:rPr lang="fr-FR" sz="1200" b="0" i="0" kern="1200" baseline="0" dirty="0" smtClean="0">
@@ -1376,15 +1232,6 @@
               </a:rPr>
               <a:t> </a:t>
             </a:r>
-            <a:endParaRPr lang="fr-FR" sz="1200" b="0" i="0" kern="1200" dirty="0" smtClean="0">
-              <a:solidFill>
-                <a:schemeClr val="tx1"/>
-              </a:solidFill>
-              <a:effectLst/>
-              <a:latin typeface="+mn-lt"/>
-              <a:ea typeface="+mn-ea"/>
-              <a:cs typeface="+mn-cs"/>
-            </a:endParaRPr>
           </a:p>
           <a:p>
             <a:pPr marL="0" marR="0" indent="0" algn="l" defTabSz="914400" rtl="0" eaLnBrk="1" fontAlgn="auto" latinLnBrk="0" hangingPunct="1">
@@ -1472,7 +1319,19 @@
                 <a:ea typeface="+mn-ea"/>
                 <a:cs typeface="+mn-cs"/>
               </a:rPr>
-              <a:t>,</a:t>
+              <a:t>, une</a:t>
+            </a:r>
+            <a:r>
+              <a:rPr lang="fr-FR" sz="1200" b="0" i="0" kern="1200" baseline="0" dirty="0" smtClean="0">
+                <a:solidFill>
+                  <a:schemeClr val="tx1"/>
+                </a:solidFill>
+                <a:effectLst/>
+                <a:latin typeface="+mn-lt"/>
+                <a:ea typeface="+mn-ea"/>
+                <a:cs typeface="+mn-cs"/>
+              </a:rPr>
+              <a:t> modification du </a:t>
             </a:r>
             <a:r>
               <a:rPr lang="fr-FR" sz="1200" b="0" i="0" kern="1200" dirty="0" smtClean="0">
@@ -1484,7 +1343,31 @@
                 <a:ea typeface="+mn-ea"/>
                 <a:cs typeface="+mn-cs"/>
               </a:rPr>
-              <a:t> </a:t>
+              <a:t>training set (ou CBE pour case base </a:t>
+            </a:r>
+            <a:r>
+              <a:rPr lang="fr-FR" sz="1200" b="0" i="0" kern="1200" dirty="0" err="1" smtClean="0">
+                <a:solidFill>
+                  <a:schemeClr val="tx1"/>
+                </a:solidFill>
+                <a:effectLst/>
+                <a:latin typeface="+mn-lt"/>
+                <a:ea typeface="+mn-ea"/>
+                <a:cs typeface="+mn-cs"/>
+              </a:rPr>
+              <a:t>editing</a:t>
+            </a:r>
+            <a:r>
+              <a:rPr lang="fr-FR" sz="1200" b="0" i="0" kern="1200" baseline="0" dirty="0" smtClean="0">
+                <a:solidFill>
+                  <a:schemeClr val="tx1"/>
+                </a:solidFill>
+                <a:effectLst/>
+                <a:latin typeface="+mn-lt"/>
+                <a:ea typeface="+mn-ea"/>
+                <a:cs typeface="+mn-cs"/>
+              </a:rPr>
+              <a:t>)</a:t>
             </a:r>
             <a:r>
               <a:rPr lang="fr-FR" sz="1200" b="0" i="0" kern="1200" dirty="0" smtClean="0">
@@ -1496,7 +1379,7 @@
                 <a:ea typeface="+mn-ea"/>
                 <a:cs typeface="+mn-cs"/>
               </a:rPr>
-              <a:t>une</a:t>
+              <a:t> est effectuée pour réduire</a:t>
             </a:r>
             <a:r>
               <a:rPr lang="fr-FR" sz="1200" b="0" i="0" kern="1200" baseline="0" dirty="0" smtClean="0">
@@ -1508,7 +1391,7 @@
                 <a:ea typeface="+mn-ea"/>
                 <a:cs typeface="+mn-cs"/>
               </a:rPr>
-              <a:t> modification du </a:t>
+              <a:t> </a:t>
             </a:r>
             <a:r>
               <a:rPr lang="fr-FR" sz="1200" b="0" i="0" kern="1200" dirty="0" smtClean="0">
@@ -1520,19 +1403,7 @@
                 <a:ea typeface="+mn-ea"/>
                 <a:cs typeface="+mn-cs"/>
               </a:rPr>
-              <a:t>training set (ou CBE pour case base </a:t>
-            </a:r>
-            <a:r>
-              <a:rPr lang="fr-FR" sz="1200" b="0" i="0" kern="1200" dirty="0" err="1" smtClean="0">
-                <a:solidFill>
-                  <a:schemeClr val="tx1"/>
-                </a:solidFill>
-                <a:effectLst/>
-                <a:latin typeface="+mn-lt"/>
-                <a:ea typeface="+mn-ea"/>
-                <a:cs typeface="+mn-cs"/>
-              </a:rPr>
-              <a:t>editing</a:t>
+              <a:t>le nombre d’email. Le training set est</a:t>
             </a:r>
             <a:r>
               <a:rPr lang="fr-FR" sz="1200" b="0" i="0" kern="1200" baseline="0" dirty="0" smtClean="0">
@@ -1544,7 +1415,7 @@
                 <a:ea typeface="+mn-ea"/>
                 <a:cs typeface="+mn-cs"/>
               </a:rPr>
-              <a:t>)</a:t>
+              <a:t> donc</a:t>
             </a:r>
             <a:r>
               <a:rPr lang="fr-FR" sz="1200" b="0" i="0" kern="1200" dirty="0" smtClean="0">
@@ -1556,181 +1427,12 @@
                 <a:ea typeface="+mn-ea"/>
                 <a:cs typeface="+mn-cs"/>
               </a:rPr>
-              <a:t> est effectuée </a:t>
-            </a:r>
-            <a:r>
-              <a:rPr lang="fr-FR" sz="1200" b="0" i="0" kern="1200" dirty="0" smtClean="0">
-                <a:solidFill>
-                  <a:schemeClr val="tx1"/>
-                </a:solidFill>
-                <a:effectLst/>
-                <a:latin typeface="+mn-lt"/>
-                <a:ea typeface="+mn-ea"/>
-                <a:cs typeface="+mn-cs"/>
-              </a:rPr>
-              <a:t>pour réduire</a:t>
-            </a:r>
-            <a:r>
-              <a:rPr lang="fr-FR" sz="1200" b="0" i="0" kern="1200" baseline="0" dirty="0" smtClean="0">
-                <a:solidFill>
-                  <a:schemeClr val="tx1"/>
-                </a:solidFill>
-                <a:effectLst/>
-                <a:latin typeface="+mn-lt"/>
-                <a:ea typeface="+mn-ea"/>
-                <a:cs typeface="+mn-cs"/>
-              </a:rPr>
-              <a:t> </a:t>
-            </a:r>
-            <a:r>
-              <a:rPr lang="fr-FR" sz="1200" b="0" i="0" kern="1200" dirty="0" smtClean="0">
-                <a:solidFill>
-                  <a:schemeClr val="tx1"/>
-                </a:solidFill>
-                <a:effectLst/>
-                <a:latin typeface="+mn-lt"/>
-                <a:ea typeface="+mn-ea"/>
-                <a:cs typeface="+mn-cs"/>
-              </a:rPr>
-              <a:t>le nombre</a:t>
-            </a:r>
-            <a:r>
-              <a:rPr lang="fr-FR" sz="1200" b="0" i="0" kern="1200" dirty="0" smtClean="0">
-                <a:solidFill>
-                  <a:schemeClr val="tx1"/>
-                </a:solidFill>
-                <a:effectLst/>
-                <a:latin typeface="+mn-lt"/>
-                <a:ea typeface="+mn-ea"/>
-                <a:cs typeface="+mn-cs"/>
-              </a:rPr>
-              <a:t> </a:t>
-            </a:r>
-            <a:r>
-              <a:rPr lang="fr-FR" sz="1200" b="0" i="0" kern="1200" dirty="0" smtClean="0">
-                <a:solidFill>
-                  <a:schemeClr val="tx1"/>
-                </a:solidFill>
-                <a:effectLst/>
-                <a:latin typeface="+mn-lt"/>
-                <a:ea typeface="+mn-ea"/>
-                <a:cs typeface="+mn-cs"/>
-              </a:rPr>
-              <a:t>d’email.</a:t>
-            </a:r>
-            <a:r>
-              <a:rPr lang="fr-FR" sz="1200" b="0" i="0" kern="1200" dirty="0" smtClean="0">
-                <a:solidFill>
-                  <a:schemeClr val="tx1"/>
-                </a:solidFill>
-                <a:effectLst/>
-                <a:latin typeface="+mn-lt"/>
-                <a:ea typeface="+mn-ea"/>
-                <a:cs typeface="+mn-cs"/>
-              </a:rPr>
-              <a:t> </a:t>
-            </a:r>
-            <a:r>
-              <a:rPr lang="fr-FR" sz="1200" b="0" i="0" kern="1200" dirty="0" smtClean="0">
-                <a:solidFill>
-                  <a:schemeClr val="tx1"/>
-                </a:solidFill>
-                <a:effectLst/>
-                <a:latin typeface="+mn-lt"/>
-                <a:ea typeface="+mn-ea"/>
-                <a:cs typeface="+mn-cs"/>
-              </a:rPr>
-              <a:t>Le training set est</a:t>
-            </a:r>
-            <a:r>
-              <a:rPr lang="fr-FR" sz="1200" b="0" i="0" kern="1200" baseline="0" dirty="0" smtClean="0">
-                <a:solidFill>
-                  <a:schemeClr val="tx1"/>
-                </a:solidFill>
-                <a:effectLst/>
-                <a:latin typeface="+mn-lt"/>
-                <a:ea typeface="+mn-ea"/>
-                <a:cs typeface="+mn-cs"/>
-              </a:rPr>
-              <a:t> donc</a:t>
-            </a:r>
-            <a:r>
-              <a:rPr lang="fr-FR" sz="1200" b="0" i="0" kern="1200" dirty="0" smtClean="0">
-                <a:solidFill>
-                  <a:schemeClr val="tx1"/>
-                </a:solidFill>
-                <a:effectLst/>
-                <a:latin typeface="+mn-lt"/>
-                <a:ea typeface="+mn-ea"/>
-                <a:cs typeface="+mn-cs"/>
-              </a:rPr>
-              <a:t> </a:t>
-            </a:r>
-            <a:r>
-              <a:rPr lang="fr-FR" sz="1200" b="0" i="0" kern="1200" dirty="0" smtClean="0">
-                <a:solidFill>
-                  <a:schemeClr val="tx1"/>
-                </a:solidFill>
-                <a:effectLst/>
-                <a:latin typeface="+mn-lt"/>
-                <a:ea typeface="+mn-ea"/>
-                <a:cs typeface="+mn-cs"/>
-              </a:rPr>
-              <a:t>éditée avec</a:t>
-            </a:r>
-            <a:r>
-              <a:rPr lang="fr-FR" sz="1200" b="0" i="0" kern="1200" dirty="0" smtClean="0">
-                <a:solidFill>
-                  <a:schemeClr val="tx1"/>
-                </a:solidFill>
-                <a:effectLst/>
-                <a:latin typeface="+mn-lt"/>
-                <a:ea typeface="+mn-ea"/>
-                <a:cs typeface="+mn-cs"/>
-              </a:rPr>
-              <a:t> </a:t>
-            </a:r>
-            <a:r>
-              <a:rPr lang="fr-FR" sz="1200" b="0" i="0" kern="1200" dirty="0" smtClean="0">
-                <a:solidFill>
-                  <a:schemeClr val="tx1"/>
-                </a:solidFill>
-                <a:effectLst/>
-                <a:latin typeface="+mn-lt"/>
-                <a:ea typeface="+mn-ea"/>
-                <a:cs typeface="+mn-cs"/>
-              </a:rPr>
-              <a:t>la</a:t>
-            </a:r>
-            <a:r>
-              <a:rPr lang="fr-FR" sz="1200" b="0" i="0" kern="1200" dirty="0" smtClean="0">
-                <a:solidFill>
-                  <a:schemeClr val="tx1"/>
-                </a:solidFill>
-                <a:effectLst/>
-                <a:latin typeface="+mn-lt"/>
-                <a:ea typeface="+mn-ea"/>
-                <a:cs typeface="+mn-cs"/>
-              </a:rPr>
-              <a:t> technique </a:t>
-            </a:r>
-            <a:r>
-              <a:rPr lang="fr-FR" sz="1200" b="0" i="0" kern="1200" dirty="0" smtClean="0">
-                <a:solidFill>
-                  <a:schemeClr val="tx1"/>
-                </a:solidFill>
-                <a:effectLst/>
-                <a:latin typeface="+mn-lt"/>
-                <a:ea typeface="+mn-ea"/>
-                <a:cs typeface="+mn-cs"/>
-              </a:rPr>
-              <a:t>CBE</a:t>
+              <a:t> éditée avec la technique CBE</a:t>
             </a:r>
             <a:r>
               <a:rPr lang="fr-FR" dirty="0" smtClean="0"/>
               <a:t> pour enlever le bruit et les cas redondants. Et augmente les perfs.</a:t>
             </a:r>
-            <a:endParaRPr lang="fr-FR" dirty="0" smtClean="0"/>
           </a:p>
         </p:txBody>
       </p:sp>
@@ -1926,7 +1628,7 @@
                 </a:r>
                 <a14:m>
                   <m:oMath xmlns:m="http://schemas.openxmlformats.org/officeDocument/2006/math">
-                    <a:fld id="{2562ACC9-DAF0-44A7-9692-0B4299742F49}" type="mathplaceholder">
+                    <a:fld id="{DEF30E4D-F5FA-4BAD-BBC3-822CDAC88FD3}" type="mathplaceholder">
                       <a:rPr lang="fr-FR" i="1" smtClean="0">
                         <a:latin typeface="Cambria Math"/>
                       </a:rPr>
@@ -2124,15 +1826,7 @@
             </a:r>
             <a:r>
               <a:rPr lang="fr-FR" baseline="0" dirty="0" smtClean="0"/>
-              <a:t> présenter l’expérience réalisé par les auteurs. L’objectif de l’expérience était de remplacer la mesure de similarité par </a:t>
-            </a:r>
-            <a:r>
-              <a:rPr lang="fr-FR" baseline="0" dirty="0" smtClean="0"/>
-              <a:t>caractéristiques qu’ECUE </a:t>
-            </a:r>
-            <a:r>
-              <a:rPr lang="fr-FR" baseline="0" dirty="0" smtClean="0"/>
-              <a:t>utilise par une mesure de similarité par compression et de comparer les deux mesures.</a:t>
+              <a:t> présenter l’expérience réalisé par les auteurs. L’objectif de l’expérience était de remplacer la mesure de similarité par caractéristiques qu’ECUE utilise par une mesure de similarité par compression et de comparer les deux mesures.</a:t>
             </a:r>
           </a:p>
           <a:p>
@@ -2410,7 +2104,19 @@
                 <a:ea typeface="+mn-ea"/>
                 <a:cs typeface="+mn-cs"/>
               </a:rPr>
-              <a:t>(i) le taux d'erreurs, c.-à-d. la proportion globale des emails </a:t>
+              <a:t>(i) le taux d'erreurs, c.-à-d. la proportion globale des emails qui</a:t>
+            </a:r>
+            <a:r>
+              <a:rPr lang="fr-FR" sz="1200" b="0" i="0" kern="1200" baseline="0" dirty="0" smtClean="0">
+                <a:solidFill>
+                  <a:schemeClr val="tx1"/>
+                </a:solidFill>
+                <a:effectLst/>
+                <a:latin typeface="+mn-lt"/>
+                <a:ea typeface="+mn-ea"/>
+                <a:cs typeface="+mn-cs"/>
+              </a:rPr>
+              <a:t> ne sont</a:t>
             </a:r>
             <a:r>
               <a:rPr lang="fr-FR" sz="1200" b="0" i="0" kern="1200" dirty="0" smtClean="0">
@@ -2422,7 +2128,7 @@
                 <a:ea typeface="+mn-ea"/>
                 <a:cs typeface="+mn-cs"/>
               </a:rPr>
-              <a:t>qui</a:t>
+              <a:t> pas filtrés correctement</a:t>
             </a:r>
             <a:r>
               <a:rPr lang="fr-FR" sz="1200" b="0" i="0" kern="1200" baseline="0" dirty="0" smtClean="0">
@@ -2434,7 +2140,7 @@
                 <a:ea typeface="+mn-ea"/>
                 <a:cs typeface="+mn-cs"/>
               </a:rPr>
-              <a:t> ne sont</a:t>
+              <a:t> </a:t>
             </a:r>
             <a:r>
               <a:rPr lang="fr-FR" sz="1200" b="0" i="0" kern="1200" dirty="0" smtClean="0">
@@ -2446,7 +2152,19 @@
                 <a:ea typeface="+mn-ea"/>
                 <a:cs typeface="+mn-cs"/>
               </a:rPr>
-              <a:t> pas filtrés </a:t>
+              <a:t>(%</a:t>
+            </a:r>
+            <a:r>
+              <a:rPr lang="fr-FR" sz="1200" b="0" i="0" kern="1200" dirty="0" err="1" smtClean="0">
+                <a:solidFill>
+                  <a:schemeClr val="tx1"/>
+                </a:solidFill>
+                <a:effectLst/>
+                <a:latin typeface="+mn-lt"/>
+                <a:ea typeface="+mn-ea"/>
+                <a:cs typeface="+mn-cs"/>
+              </a:rPr>
+              <a:t>Err</a:t>
             </a:r>
             <a:r>
               <a:rPr lang="fr-FR" sz="1200" b="0" i="0" kern="1200" dirty="0" smtClean="0">
@@ -2458,7 +2176,21 @@
                 <a:ea typeface="+mn-ea"/>
                 <a:cs typeface="+mn-cs"/>
               </a:rPr>
-              <a:t>correctement</a:t>
+              <a:t>). </a:t>
+            </a:r>
+          </a:p>
+          <a:p>
+            <a:r>
+              <a:rPr lang="fr-FR" sz="1200" b="0" i="0" kern="1200" dirty="0" smtClean="0">
+                <a:solidFill>
+                  <a:schemeClr val="tx1"/>
+                </a:solidFill>
+                <a:effectLst/>
+                <a:latin typeface="+mn-lt"/>
+                <a:ea typeface="+mn-ea"/>
+                <a:cs typeface="+mn-cs"/>
+              </a:rPr>
+              <a:t>(ii) le taux Faux</a:t>
             </a:r>
             <a:r>
               <a:rPr lang="fr-FR" sz="1200" b="0" i="0" kern="1200" baseline="0" dirty="0" smtClean="0">
@@ -2470,7 +2202,7 @@
                 <a:ea typeface="+mn-ea"/>
                 <a:cs typeface="+mn-cs"/>
               </a:rPr>
-              <a:t> </a:t>
+              <a:t> négatifs</a:t>
             </a:r>
             <a:r>
               <a:rPr lang="fr-FR" sz="1200" b="0" i="0" kern="1200" dirty="0" smtClean="0">
@@ -2482,7 +2214,7 @@
                 <a:ea typeface="+mn-ea"/>
                 <a:cs typeface="+mn-cs"/>
               </a:rPr>
-              <a:t>(%</a:t>
+              <a:t>, c.-à-d. la proportion des Spam qui ont été manqués (%</a:t>
             </a:r>
             <a:r>
               <a:rPr lang="fr-FR" sz="1200" b="0" i="0" kern="1200" dirty="0" err="1" smtClean="0">
@@ -2494,7 +2226,7 @@
                 <a:ea typeface="+mn-ea"/>
                 <a:cs typeface="+mn-cs"/>
               </a:rPr>
-              <a:t>Err</a:t>
+              <a:t>FNs</a:t>
             </a:r>
             <a:r>
               <a:rPr lang="fr-FR" sz="1200" b="0" i="0" kern="1200" dirty="0" smtClean="0">
@@ -2506,10 +2238,15 @@
                 <a:ea typeface="+mn-ea"/>
                 <a:cs typeface="+mn-cs"/>
               </a:rPr>
-              <a:t>). </a:t>
-            </a:r>
-          </a:p>
-          <a:p>
+              <a:t>).</a:t>
+            </a:r>
+            <a:r>
+              <a:rPr lang="fr-FR" dirty="0" smtClean="0"/>
+              <a:t/>
+            </a:r>
+            <a:br>
+              <a:rPr lang="fr-FR" dirty="0" smtClean="0"/>
+            </a:br>
             <a:r>
               <a:rPr lang="fr-FR" sz="1200" b="0" i="0" kern="1200" dirty="0" smtClean="0">
                 <a:solidFill>
@@ -2520,6 +2257,67 @@
                 <a:ea typeface="+mn-ea"/>
                 <a:cs typeface="+mn-cs"/>
               </a:rPr>
+              <a:t>(iii) le taux de Faux positifs, c.-à-d. la proportion des emails légitimes qui sont</a:t>
+            </a:r>
+            <a:r>
+              <a:rPr lang="fr-FR" sz="1200" b="0" i="0" kern="1200" baseline="0" dirty="0" smtClean="0">
+                <a:solidFill>
+                  <a:schemeClr val="tx1"/>
+                </a:solidFill>
+                <a:effectLst/>
+                <a:latin typeface="+mn-lt"/>
+                <a:ea typeface="+mn-ea"/>
+                <a:cs typeface="+mn-cs"/>
+              </a:rPr>
+              <a:t> noté comme </a:t>
+            </a:r>
+            <a:r>
+              <a:rPr lang="fr-FR" sz="1200" b="0" i="0" kern="1200" dirty="0" smtClean="0">
+                <a:solidFill>
+                  <a:schemeClr val="tx1"/>
+                </a:solidFill>
+                <a:effectLst/>
+                <a:latin typeface="+mn-lt"/>
+                <a:ea typeface="+mn-ea"/>
+                <a:cs typeface="+mn-cs"/>
+              </a:rPr>
+              <a:t>Spam (%</a:t>
+            </a:r>
+            <a:r>
+              <a:rPr lang="fr-FR" sz="1200" b="0" i="0" kern="1200" dirty="0" err="1" smtClean="0">
+                <a:solidFill>
+                  <a:schemeClr val="tx1"/>
+                </a:solidFill>
+                <a:effectLst/>
+                <a:latin typeface="+mn-lt"/>
+                <a:ea typeface="+mn-ea"/>
+                <a:cs typeface="+mn-cs"/>
+              </a:rPr>
+              <a:t>FPs</a:t>
+            </a:r>
+            <a:r>
+              <a:rPr lang="fr-FR" sz="1200" b="0" i="0" kern="1200" dirty="0" smtClean="0">
+                <a:solidFill>
+                  <a:schemeClr val="tx1"/>
+                </a:solidFill>
+                <a:effectLst/>
+                <a:latin typeface="+mn-lt"/>
+                <a:ea typeface="+mn-ea"/>
+                <a:cs typeface="+mn-cs"/>
+              </a:rPr>
+              <a:t>).</a:t>
+            </a:r>
+          </a:p>
+          <a:p>
+            <a:r>
+              <a:rPr lang="fr-FR" dirty="0" smtClean="0"/>
+              <a:t/>
+            </a:r>
+            <a:br>
+              <a:rPr lang="fr-FR" dirty="0" smtClean="0"/>
+            </a:br>
+            <a:r>
+              <a:rPr lang="fr-FR" dirty="0" smtClean="0"/>
               <a:t>(</a:t>
             </a:r>
             <a:r>
@@ -2532,19 +2330,19 @@
                 <a:ea typeface="+mn-ea"/>
                 <a:cs typeface="+mn-cs"/>
               </a:rPr>
-              <a:t>ii) le taux Faux</a:t>
-            </a:r>
-            <a:r>
-              <a:rPr lang="fr-FR" sz="1200" b="0" i="0" kern="1200" baseline="0" dirty="0" smtClean="0">
-                <a:solidFill>
-                  <a:schemeClr val="tx1"/>
-                </a:solidFill>
-                <a:effectLst/>
-                <a:latin typeface="+mn-lt"/>
-                <a:ea typeface="+mn-ea"/>
-                <a:cs typeface="+mn-cs"/>
-              </a:rPr>
-              <a:t> négatifs</a:t>
+              <a:t>Nous comparons la performance des classificateurs en calculant le niveau de confiance utilisant l'essai de </a:t>
+            </a:r>
+            <a:r>
+              <a:rPr lang="fr-FR" sz="1200" b="0" i="0" kern="1200" dirty="0" err="1" smtClean="0">
+                <a:solidFill>
+                  <a:schemeClr val="tx1"/>
+                </a:solidFill>
+                <a:effectLst/>
+                <a:latin typeface="+mn-lt"/>
+                <a:ea typeface="+mn-ea"/>
+                <a:cs typeface="+mn-cs"/>
+              </a:rPr>
+              <a:t>McNemar</a:t>
             </a:r>
             <a:r>
               <a:rPr lang="fr-FR" sz="1200" b="0" i="0" kern="1200" dirty="0" smtClean="0">
@@ -2556,169 +2354,8 @@
                 <a:ea typeface="+mn-ea"/>
                 <a:cs typeface="+mn-cs"/>
               </a:rPr>
-              <a:t>, c.-à-d. la proportion des Spam qui ont été manqués (%</a:t>
-            </a:r>
-            <a:r>
-              <a:rPr lang="fr-FR" sz="1200" b="0" i="0" kern="1200" dirty="0" err="1" smtClean="0">
-                <a:solidFill>
-                  <a:schemeClr val="tx1"/>
-                </a:solidFill>
-                <a:effectLst/>
-                <a:latin typeface="+mn-lt"/>
-                <a:ea typeface="+mn-ea"/>
-                <a:cs typeface="+mn-cs"/>
-              </a:rPr>
-              <a:t>FNs</a:t>
-            </a:r>
-            <a:r>
-              <a:rPr lang="fr-FR" sz="1200" b="0" i="0" kern="1200" dirty="0" smtClean="0">
-                <a:solidFill>
-                  <a:schemeClr val="tx1"/>
-                </a:solidFill>
-                <a:effectLst/>
-                <a:latin typeface="+mn-lt"/>
-                <a:ea typeface="+mn-ea"/>
-                <a:cs typeface="+mn-cs"/>
-              </a:rPr>
-              <a:t>).</a:t>
-            </a:r>
-            <a:r>
-              <a:rPr lang="fr-FR" dirty="0" smtClean="0"/>
-              <a:t/>
-            </a:r>
-            <a:br>
-              <a:rPr lang="fr-FR" dirty="0" smtClean="0"/>
-            </a:br>
-            <a:r>
-              <a:rPr lang="fr-FR" sz="1200" b="0" i="0" kern="1200" dirty="0" smtClean="0">
-                <a:solidFill>
-                  <a:schemeClr val="tx1"/>
-                </a:solidFill>
-                <a:effectLst/>
-                <a:latin typeface="+mn-lt"/>
-                <a:ea typeface="+mn-ea"/>
-                <a:cs typeface="+mn-cs"/>
-              </a:rPr>
-              <a:t>(iii) le taux de Faux positifs, c.-à-d. la proportion des emails légitimes qui sont</a:t>
-            </a:r>
-            <a:r>
-              <a:rPr lang="fr-FR" sz="1200" b="0" i="0" kern="1200" baseline="0" dirty="0" smtClean="0">
-                <a:solidFill>
-                  <a:schemeClr val="tx1"/>
-                </a:solidFill>
-                <a:effectLst/>
-                <a:latin typeface="+mn-lt"/>
-                <a:ea typeface="+mn-ea"/>
-                <a:cs typeface="+mn-cs"/>
-              </a:rPr>
-              <a:t> noté comme </a:t>
-            </a:r>
-            <a:r>
-              <a:rPr lang="fr-FR" sz="1200" b="0" i="0" kern="1200" dirty="0" smtClean="0">
-                <a:solidFill>
-                  <a:schemeClr val="tx1"/>
-                </a:solidFill>
-                <a:effectLst/>
-                <a:latin typeface="+mn-lt"/>
-                <a:ea typeface="+mn-ea"/>
-                <a:cs typeface="+mn-cs"/>
-              </a:rPr>
-              <a:t>Spam (%</a:t>
-            </a:r>
-            <a:r>
-              <a:rPr lang="fr-FR" sz="1200" b="0" i="0" kern="1200" dirty="0" err="1" smtClean="0">
-                <a:solidFill>
-                  <a:schemeClr val="tx1"/>
-                </a:solidFill>
-                <a:effectLst/>
-                <a:latin typeface="+mn-lt"/>
-                <a:ea typeface="+mn-ea"/>
-                <a:cs typeface="+mn-cs"/>
-              </a:rPr>
-              <a:t>FPs</a:t>
-            </a:r>
-            <a:r>
-              <a:rPr lang="fr-FR" sz="1200" b="0" i="0" kern="1200" dirty="0" smtClean="0">
-                <a:solidFill>
-                  <a:schemeClr val="tx1"/>
-                </a:solidFill>
-                <a:effectLst/>
-                <a:latin typeface="+mn-lt"/>
-                <a:ea typeface="+mn-ea"/>
-                <a:cs typeface="+mn-cs"/>
-              </a:rPr>
-              <a:t>).</a:t>
-            </a:r>
-          </a:p>
-          <a:p>
-            <a:r>
-              <a:rPr lang="fr-FR" dirty="0" smtClean="0"/>
-              <a:t/>
-            </a:r>
-            <a:br>
-              <a:rPr lang="fr-FR" dirty="0" smtClean="0"/>
-            </a:br>
-            <a:r>
-              <a:rPr lang="fr-FR" dirty="0" smtClean="0"/>
-              <a:t>(</a:t>
-            </a:r>
-            <a:r>
-              <a:rPr lang="fr-FR" sz="1200" b="0" i="0" kern="1200" dirty="0" smtClean="0">
-                <a:solidFill>
-                  <a:schemeClr val="tx1"/>
-                </a:solidFill>
-                <a:effectLst/>
-                <a:latin typeface="+mn-lt"/>
-                <a:ea typeface="+mn-ea"/>
-                <a:cs typeface="+mn-cs"/>
-              </a:rPr>
-              <a:t>Nous</a:t>
-            </a:r>
-            <a:r>
-              <a:rPr lang="fr-FR" sz="1200" b="0" i="0" kern="1200" dirty="0" smtClean="0">
-                <a:solidFill>
-                  <a:schemeClr val="tx1"/>
-                </a:solidFill>
-                <a:effectLst/>
-                <a:latin typeface="+mn-lt"/>
-                <a:ea typeface="+mn-ea"/>
-                <a:cs typeface="+mn-cs"/>
-              </a:rPr>
-              <a:t> comparons la performance des classificateurs en calculant le niveau de confiance utilisant l'essai de </a:t>
-            </a:r>
-            <a:r>
-              <a:rPr lang="fr-FR" sz="1200" b="0" i="0" kern="1200" dirty="0" err="1" smtClean="0">
-                <a:solidFill>
-                  <a:schemeClr val="tx1"/>
-                </a:solidFill>
-                <a:effectLst/>
-                <a:latin typeface="+mn-lt"/>
-                <a:ea typeface="+mn-ea"/>
-                <a:cs typeface="+mn-cs"/>
-              </a:rPr>
-              <a:t>McNemar</a:t>
-            </a:r>
-            <a:r>
-              <a:rPr lang="fr-FR" sz="1200" b="0" i="0" kern="1200" dirty="0" smtClean="0">
-                <a:solidFill>
-                  <a:schemeClr val="tx1"/>
-                </a:solidFill>
-                <a:effectLst/>
-                <a:latin typeface="+mn-lt"/>
-                <a:ea typeface="+mn-ea"/>
-                <a:cs typeface="+mn-cs"/>
-              </a:rPr>
               <a:t>.)</a:t>
             </a:r>
-            <a:endParaRPr lang="fr-FR" sz="1200" b="0" i="0" kern="1200" dirty="0" smtClean="0">
-              <a:solidFill>
-                <a:schemeClr val="tx1"/>
-              </a:solidFill>
-              <a:effectLst/>
-              <a:latin typeface="+mn-lt"/>
-              <a:ea typeface="+mn-ea"/>
-              <a:cs typeface="+mn-cs"/>
-            </a:endParaRPr>
           </a:p>
           <a:p>
             <a:r>
@@ -3898,7 +3535,7 @@
           <a:p>
             <a:fld id="{E2D812B1-5886-46C5-9019-6FE4943F7F28}" type="datetimeFigureOut">
               <a:rPr lang="fr-FR" smtClean="0"/>
-              <a:t>08/10/2014</a:t>
+              <a:t>09/10/2014</a:t>
             </a:fld>
             <a:endParaRPr lang="fr-FR"/>
           </a:p>
@@ -4068,7 +3705,7 @@
           <a:p>
             <a:fld id="{E2D812B1-5886-46C5-9019-6FE4943F7F28}" type="datetimeFigureOut">
               <a:rPr lang="fr-FR" smtClean="0"/>
-              <a:t>08/10/2014</a:t>
+              <a:t>09/10/2014</a:t>
             </a:fld>
             <a:endParaRPr lang="fr-FR"/>
           </a:p>
@@ -4248,7 +3885,7 @@
           <a:p>
             <a:fld id="{E2D812B1-5886-46C5-9019-6FE4943F7F28}" type="datetimeFigureOut">
               <a:rPr lang="fr-FR" smtClean="0"/>
-              <a:t>08/10/2014</a:t>
+              <a:t>09/10/2014</a:t>
             </a:fld>
             <a:endParaRPr lang="fr-FR"/>
           </a:p>
@@ -4418,7 +4055,7 @@
           <a:p>
             <a:fld id="{E2D812B1-5886-46C5-9019-6FE4943F7F28}" type="datetimeFigureOut">
               <a:rPr lang="fr-FR" smtClean="0"/>
-              <a:t>08/10/2014</a:t>
+              <a:t>09/10/2014</a:t>
             </a:fld>
             <a:endParaRPr lang="fr-FR"/>
           </a:p>
@@ -4664,7 +4301,7 @@
           <a:p>
             <a:fld id="{E2D812B1-5886-46C5-9019-6FE4943F7F28}" type="datetimeFigureOut">
               <a:rPr lang="fr-FR" smtClean="0"/>
-              <a:t>08/10/2014</a:t>
+              <a:t>09/10/2014</a:t>
             </a:fld>
             <a:endParaRPr lang="fr-FR"/>
           </a:p>
@@ -4952,7 +4589,7 @@
           <a:p>
             <a:fld id="{E2D812B1-5886-46C5-9019-6FE4943F7F28}" type="datetimeFigureOut">
               <a:rPr lang="fr-FR" smtClean="0"/>
-              <a:t>08/10/2014</a:t>
+              <a:t>09/10/2014</a:t>
             </a:fld>
             <a:endParaRPr lang="fr-FR"/>
           </a:p>
@@ -5374,7 +5011,7 @@
           <a:p>
             <a:fld id="{E2D812B1-5886-46C5-9019-6FE4943F7F28}" type="datetimeFigureOut">
               <a:rPr lang="fr-FR" smtClean="0"/>
-              <a:t>08/10/2014</a:t>
+              <a:t>09/10/2014</a:t>
             </a:fld>
             <a:endParaRPr lang="fr-FR"/>
           </a:p>
@@ -5492,7 +5129,7 @@
           <a:p>
             <a:fld id="{E2D812B1-5886-46C5-9019-6FE4943F7F28}" type="datetimeFigureOut">
               <a:rPr lang="fr-FR" smtClean="0"/>
-              <a:t>08/10/2014</a:t>
+              <a:t>09/10/2014</a:t>
             </a:fld>
             <a:endParaRPr lang="fr-FR"/>
           </a:p>
@@ -5587,7 +5224,7 @@
           <a:p>
             <a:fld id="{E2D812B1-5886-46C5-9019-6FE4943F7F28}" type="datetimeFigureOut">
               <a:rPr lang="fr-FR" smtClean="0"/>
-              <a:t>08/10/2014</a:t>
+              <a:t>09/10/2014</a:t>
             </a:fld>
             <a:endParaRPr lang="fr-FR"/>
           </a:p>
@@ -5864,7 +5501,7 @@
           <a:p>
             <a:fld id="{E2D812B1-5886-46C5-9019-6FE4943F7F28}" type="datetimeFigureOut">
               <a:rPr lang="fr-FR" smtClean="0"/>
-              <a:t>08/10/2014</a:t>
+              <a:t>09/10/2014</a:t>
             </a:fld>
             <a:endParaRPr lang="fr-FR"/>
           </a:p>
@@ -6117,7 +5754,7 @@
           <a:p>
             <a:fld id="{E2D812B1-5886-46C5-9019-6FE4943F7F28}" type="datetimeFigureOut">
               <a:rPr lang="fr-FR" smtClean="0"/>
-              <a:t>08/10/2014</a:t>
+              <a:t>09/10/2014</a:t>
             </a:fld>
             <a:endParaRPr lang="fr-FR"/>
           </a:p>
@@ -6330,7 +5967,7 @@
           <a:p>
             <a:fld id="{E2D812B1-5886-46C5-9019-6FE4943F7F28}" type="datetimeFigureOut">
               <a:rPr lang="fr-FR" smtClean="0"/>
-              <a:t>08/10/2014</a:t>
+              <a:t>09/10/2014</a:t>
             </a:fld>
             <a:endParaRPr lang="fr-FR"/>
           </a:p>
@@ -7397,21 +7034,11 @@
             </a:r>
             <a:r>
               <a:rPr lang="fr-FR" dirty="0" smtClean="0"/>
-              <a:t> system</a:t>
-            </a:r>
-          </a:p>
-          <a:p>
-            <a:r>
-              <a:rPr lang="fr-FR" dirty="0" smtClean="0"/>
-              <a:t>K </a:t>
-            </a:r>
-            <a:r>
-              <a:rPr lang="fr-FR" dirty="0" smtClean="0"/>
-              <a:t>plus proches </a:t>
-            </a:r>
-            <a:r>
-              <a:rPr lang="fr-FR" dirty="0" smtClean="0"/>
-              <a:t>voisins</a:t>
+              <a:t> </a:t>
+            </a:r>
+            <a:r>
+              <a:rPr lang="fr-FR" dirty="0" smtClean="0"/>
+              <a:t>system</a:t>
             </a:r>
           </a:p>
           <a:p>
@@ -7433,24 +7060,34 @@
             </a:r>
             <a:r>
               <a:rPr lang="fr-FR" dirty="0" smtClean="0"/>
-              <a:t> (CBR)</a:t>
-            </a:r>
-            <a:endParaRPr lang="fr-FR" dirty="0" smtClean="0"/>
-          </a:p>
-          <a:p>
-            <a:r>
-              <a:rPr lang="fr-FR" dirty="0" smtClean="0"/>
-              <a:t>Volontairement biaisé pour éviter les faux positifs</a:t>
-            </a:r>
-          </a:p>
-          <a:p>
-            <a:r>
-              <a:rPr lang="fr-FR" dirty="0" smtClean="0"/>
-              <a:t>Case-</a:t>
-            </a:r>
-            <a:r>
-              <a:rPr lang="fr-FR" dirty="0" err="1" smtClean="0"/>
-              <a:t>Based</a:t>
+              <a:t> (CBR</a:t>
+            </a:r>
+            <a:r>
+              <a:rPr lang="fr-FR" dirty="0" smtClean="0"/>
+              <a:t>)</a:t>
+            </a:r>
+            <a:endParaRPr lang="fr-FR" dirty="0"/>
+          </a:p>
+          <a:p>
+            <a:r>
+              <a:rPr lang="fr-FR" dirty="0"/>
+              <a:t>K plus proches voisins</a:t>
+            </a:r>
+          </a:p>
+          <a:p>
+            <a:r>
+              <a:rPr lang="fr-FR" dirty="0" smtClean="0"/>
+              <a:t>Volontairement </a:t>
+            </a:r>
+            <a:r>
+              <a:rPr lang="fr-FR" dirty="0" smtClean="0"/>
+              <a:t>biaisé pour éviter les faux positifs</a:t>
+            </a:r>
+          </a:p>
+          <a:p>
+            <a:r>
+              <a:rPr lang="fr-FR" smtClean="0"/>
+              <a:t>Competence-Based</a:t>
             </a:r>
             <a:r>
               <a:rPr lang="fr-FR" dirty="0" smtClean="0"/>
